--- a/CompilerReport.pptx
+++ b/CompilerReport.pptx
@@ -31,14 +31,16 @@
     <p:sldId id="279" r:id="rId25"/>
     <p:sldId id="280" r:id="rId26"/>
     <p:sldId id="281" r:id="rId27"/>
-    <p:sldId id="282" r:id="rId28"/>
-    <p:sldId id="283" r:id="rId29"/>
-    <p:sldId id="284" r:id="rId30"/>
-    <p:sldId id="287" r:id="rId31"/>
-    <p:sldId id="288" r:id="rId32"/>
-    <p:sldId id="286" r:id="rId33"/>
-    <p:sldId id="291" r:id="rId34"/>
-    <p:sldId id="290" r:id="rId35"/>
+    <p:sldId id="294" r:id="rId28"/>
+    <p:sldId id="282" r:id="rId29"/>
+    <p:sldId id="283" r:id="rId30"/>
+    <p:sldId id="284" r:id="rId31"/>
+    <p:sldId id="287" r:id="rId32"/>
+    <p:sldId id="288" r:id="rId33"/>
+    <p:sldId id="286" r:id="rId34"/>
+    <p:sldId id="292" r:id="rId35"/>
+    <p:sldId id="293" r:id="rId36"/>
+    <p:sldId id="290" r:id="rId37"/>
   </p:sldIdLst>
   <p:sldSz cx="12192000" cy="6858000"/>
   <p:notesSz cx="6858000" cy="9144000"/>
@@ -168,13 +170,15 @@
             <p14:sldId id="279"/>
             <p14:sldId id="280"/>
             <p14:sldId id="281"/>
+            <p14:sldId id="294"/>
             <p14:sldId id="282"/>
             <p14:sldId id="283"/>
             <p14:sldId id="284"/>
             <p14:sldId id="287"/>
             <p14:sldId id="288"/>
             <p14:sldId id="286"/>
-            <p14:sldId id="291"/>
+            <p14:sldId id="292"/>
+            <p14:sldId id="293"/>
             <p14:sldId id="290"/>
           </p14:sldIdLst>
         </p14:section>
@@ -17920,7 +17924,7 @@
             <a:fld id="{B61BEF0D-F0BB-DE4B-95CE-6DB70DBA9567}" type="datetimeFigureOut">
               <a:rPr lang="en-US" dirty="0"/>
               <a:pPr/>
-              <a:t>6/7/2020</a:t>
+              <a:t>7/3/2020</a:t>
             </a:fld>
             <a:endParaRPr lang="en-US" dirty="0"/>
           </a:p>
@@ -18251,7 +18255,7 @@
             <a:fld id="{B61BEF0D-F0BB-DE4B-95CE-6DB70DBA9567}" type="datetimeFigureOut">
               <a:rPr lang="en-US" dirty="0"/>
               <a:pPr/>
-              <a:t>6/7/2020</a:t>
+              <a:t>7/3/2020</a:t>
             </a:fld>
             <a:endParaRPr lang="en-US" dirty="0"/>
           </a:p>
@@ -18526,7 +18530,7 @@
             <a:fld id="{B61BEF0D-F0BB-DE4B-95CE-6DB70DBA9567}" type="datetimeFigureOut">
               <a:rPr lang="en-US" dirty="0"/>
               <a:pPr/>
-              <a:t>6/7/2020</a:t>
+              <a:t>7/3/2020</a:t>
             </a:fld>
             <a:endParaRPr lang="en-US" dirty="0"/>
           </a:p>
@@ -19091,7 +19095,7 @@
             <a:fld id="{B61BEF0D-F0BB-DE4B-95CE-6DB70DBA9567}" type="datetimeFigureOut">
               <a:rPr lang="en-US" dirty="0"/>
               <a:pPr/>
-              <a:t>6/7/2020</a:t>
+              <a:t>7/3/2020</a:t>
             </a:fld>
             <a:endParaRPr lang="en-US" dirty="0"/>
           </a:p>
@@ -19366,7 +19370,7 @@
             <a:fld id="{B61BEF0D-F0BB-DE4B-95CE-6DB70DBA9567}" type="datetimeFigureOut">
               <a:rPr lang="en-US" dirty="0"/>
               <a:pPr/>
-              <a:t>6/7/2020</a:t>
+              <a:t>7/3/2020</a:t>
             </a:fld>
             <a:endParaRPr lang="en-US" dirty="0"/>
           </a:p>
@@ -19925,7 +19929,7 @@
             <a:fld id="{B61BEF0D-F0BB-DE4B-95CE-6DB70DBA9567}" type="datetimeFigureOut">
               <a:rPr lang="en-US" dirty="0"/>
               <a:pPr/>
-              <a:t>6/7/2020</a:t>
+              <a:t>7/3/2020</a:t>
             </a:fld>
             <a:endParaRPr lang="en-US" dirty="0"/>
           </a:p>
@@ -20249,7 +20253,7 @@
             <a:fld id="{B61BEF0D-F0BB-DE4B-95CE-6DB70DBA9567}" type="datetimeFigureOut">
               <a:rPr lang="en-US" dirty="0"/>
               <a:pPr/>
-              <a:t>6/7/2020</a:t>
+              <a:t>7/3/2020</a:t>
             </a:fld>
             <a:endParaRPr lang="en-US" dirty="0"/>
           </a:p>
@@ -20423,7 +20427,7 @@
             <a:fld id="{B61BEF0D-F0BB-DE4B-95CE-6DB70DBA9567}" type="datetimeFigureOut">
               <a:rPr lang="en-US" dirty="0"/>
               <a:pPr/>
-              <a:t>6/7/2020</a:t>
+              <a:t>7/3/2020</a:t>
             </a:fld>
             <a:endParaRPr lang="en-US" dirty="0"/>
           </a:p>
@@ -20658,7 +20662,7 @@
             <a:fld id="{B61BEF0D-F0BB-DE4B-95CE-6DB70DBA9567}" type="datetimeFigureOut">
               <a:rPr lang="en-US" dirty="0"/>
               <a:pPr/>
-              <a:t>6/7/2020</a:t>
+              <a:t>7/3/2020</a:t>
             </a:fld>
             <a:endParaRPr lang="en-US" dirty="0"/>
           </a:p>
@@ -20855,7 +20859,7 @@
             <a:fld id="{B61BEF0D-F0BB-DE4B-95CE-6DB70DBA9567}" type="datetimeFigureOut">
               <a:rPr lang="en-US" dirty="0"/>
               <a:pPr/>
-              <a:t>6/7/2020</a:t>
+              <a:t>7/3/2020</a:t>
             </a:fld>
             <a:endParaRPr lang="en-US" dirty="0"/>
           </a:p>
@@ -21128,7 +21132,7 @@
             <a:fld id="{B61BEF0D-F0BB-DE4B-95CE-6DB70DBA9567}" type="datetimeFigureOut">
               <a:rPr lang="en-US" dirty="0"/>
               <a:pPr/>
-              <a:t>6/7/2020</a:t>
+              <a:t>7/3/2020</a:t>
             </a:fld>
             <a:endParaRPr lang="en-US" dirty="0"/>
           </a:p>
@@ -21391,7 +21395,7 @@
             <a:fld id="{B61BEF0D-F0BB-DE4B-95CE-6DB70DBA9567}" type="datetimeFigureOut">
               <a:rPr lang="en-US" dirty="0"/>
               <a:pPr/>
-              <a:t>6/7/2020</a:t>
+              <a:t>7/3/2020</a:t>
             </a:fld>
             <a:endParaRPr lang="en-US" dirty="0"/>
           </a:p>
@@ -21762,7 +21766,7 @@
             <a:fld id="{B61BEF0D-F0BB-DE4B-95CE-6DB70DBA9567}" type="datetimeFigureOut">
               <a:rPr lang="en-US" dirty="0"/>
               <a:pPr/>
-              <a:t>6/7/2020</a:t>
+              <a:t>7/3/2020</a:t>
             </a:fld>
             <a:endParaRPr lang="en-US" dirty="0"/>
           </a:p>
@@ -21907,7 +21911,7 @@
             <a:fld id="{B61BEF0D-F0BB-DE4B-95CE-6DB70DBA9567}" type="datetimeFigureOut">
               <a:rPr lang="en-US" dirty="0"/>
               <a:pPr/>
-              <a:t>6/7/2020</a:t>
+              <a:t>7/3/2020</a:t>
             </a:fld>
             <a:endParaRPr lang="en-US" dirty="0"/>
           </a:p>
@@ -22029,7 +22033,7 @@
             <a:fld id="{B61BEF0D-F0BB-DE4B-95CE-6DB70DBA9567}" type="datetimeFigureOut">
               <a:rPr lang="en-US" dirty="0"/>
               <a:pPr/>
-              <a:t>6/7/2020</a:t>
+              <a:t>7/3/2020</a:t>
             </a:fld>
             <a:endParaRPr lang="en-US" dirty="0"/>
           </a:p>
@@ -22311,7 +22315,7 @@
             <a:fld id="{B61BEF0D-F0BB-DE4B-95CE-6DB70DBA9567}" type="datetimeFigureOut">
               <a:rPr lang="en-US" dirty="0"/>
               <a:pPr/>
-              <a:t>6/7/2020</a:t>
+              <a:t>7/3/2020</a:t>
             </a:fld>
             <a:endParaRPr lang="en-US" dirty="0"/>
           </a:p>
@@ -22632,7 +22636,7 @@
             <a:fld id="{B61BEF0D-F0BB-DE4B-95CE-6DB70DBA9567}" type="datetimeFigureOut">
               <a:rPr lang="en-US" dirty="0"/>
               <a:pPr/>
-              <a:t>6/7/2020</a:t>
+              <a:t>7/3/2020</a:t>
             </a:fld>
             <a:endParaRPr lang="en-US" dirty="0"/>
           </a:p>
@@ -22843,7 +22847,7 @@
             <a:fld id="{B61BEF0D-F0BB-DE4B-95CE-6DB70DBA9567}" type="datetimeFigureOut">
               <a:rPr lang="en-US" dirty="0"/>
               <a:pPr/>
-              <a:t>6/7/2020</a:t>
+              <a:t>7/3/2020</a:t>
             </a:fld>
             <a:endParaRPr lang="en-US" dirty="0"/>
           </a:p>
@@ -27673,120 +27677,98 @@
           </a:p>
           <a:p>
             <a:r>
-              <a:rPr lang="en-US" altLang="zh-CN" dirty="0"/>
-              <a:t>Debug</a:t>
-            </a:r>
+              <a:rPr lang="en-US" altLang="zh-CN" sz="1800" dirty="0"/>
+              <a:t>Or checking if compiler works:</a:t>
+            </a:r>
+          </a:p>
+          <a:p>
+            <a:endParaRPr lang="en-US" altLang="zh-CN" dirty="0"/>
+          </a:p>
+          <a:p>
+            <a:endParaRPr lang="en-US" altLang="zh-CN" dirty="0"/>
           </a:p>
           <a:p>
             <a:pPr marL="457200" lvl="1" indent="0">
               <a:buNone/>
             </a:pPr>
-            <a:r>
-              <a:rPr lang="en-US" altLang="zh-CN" dirty="0">
-                <a:solidFill>
-                  <a:schemeClr val="accent4"/>
-                </a:solidFill>
-              </a:rPr>
-              <a:t>#define DEBUG(s) </a:t>
-            </a:r>
-            <a:r>
-              <a:rPr lang="en-US" altLang="zh-CN" dirty="0" err="1">
-                <a:solidFill>
-                  <a:schemeClr val="accent4"/>
-                </a:solidFill>
-              </a:rPr>
-              <a:t>fprintf</a:t>
-            </a:r>
-            <a:r>
-              <a:rPr lang="en-US" altLang="zh-CN" dirty="0">
-                <a:solidFill>
-                  <a:schemeClr val="accent4"/>
-                </a:solidFill>
-              </a:rPr>
-              <a:t>(stderr, __FILE__ __LINE__ "%s", s) </a:t>
-            </a:r>
-          </a:p>
-          <a:p>
-            <a:r>
-              <a:rPr lang="en-US" altLang="zh-CN" dirty="0"/>
-              <a:t>And do something cooler if you are master!</a:t>
-            </a:r>
-          </a:p>
-          <a:p>
-            <a:pPr marL="457200" lvl="1" indent="0">
-              <a:buNone/>
-            </a:pPr>
-            <a:r>
-              <a:rPr lang="en-US" altLang="zh-CN" dirty="0">
-                <a:solidFill>
-                  <a:schemeClr val="accent4"/>
-                </a:solidFill>
-              </a:rPr>
-              <a:t>#define assert(_Expression) \</a:t>
-            </a:r>
-          </a:p>
-          <a:p>
-            <a:pPr marL="457200" lvl="1" indent="0">
-              <a:buNone/>
-            </a:pPr>
-            <a:r>
-              <a:rPr lang="en-US" altLang="zh-CN" dirty="0">
-                <a:solidFill>
-                  <a:schemeClr val="accent4"/>
-                </a:solidFill>
-              </a:rPr>
-              <a:t> (void) \</a:t>
-            </a:r>
-          </a:p>
-          <a:p>
-            <a:pPr marL="457200" lvl="1" indent="0">
-              <a:buNone/>
-            </a:pPr>
-            <a:r>
-              <a:rPr lang="en-US" altLang="zh-CN" dirty="0">
-                <a:solidFill>
-                  <a:schemeClr val="accent4"/>
-                </a:solidFill>
-              </a:rPr>
-              <a:t> ((!!(_Expression)) || \</a:t>
-            </a:r>
-          </a:p>
-          <a:p>
-            <a:pPr marL="457200" lvl="1" indent="0">
-              <a:buNone/>
-            </a:pPr>
-            <a:r>
-              <a:rPr lang="en-US" altLang="zh-CN" dirty="0">
-                <a:solidFill>
-                  <a:schemeClr val="accent4"/>
-                </a:solidFill>
-              </a:rPr>
-              <a:t>  (_assert(#_</a:t>
-            </a:r>
-            <a:r>
-              <a:rPr lang="en-US" altLang="zh-CN" dirty="0" err="1">
-                <a:solidFill>
-                  <a:schemeClr val="accent4"/>
-                </a:solidFill>
-              </a:rPr>
-              <a:t>Expression,__FILE__,__LINE</a:t>
-            </a:r>
-            <a:r>
-              <a:rPr lang="en-US" altLang="zh-CN" dirty="0">
-                <a:solidFill>
-                  <a:schemeClr val="accent4"/>
-                </a:solidFill>
-              </a:rPr>
-              <a:t>__),0))</a:t>
-            </a:r>
-            <a:endParaRPr lang="zh-CN" altLang="en-US" dirty="0">
+            <a:endParaRPr lang="en-US" altLang="zh-CN" dirty="0">
               <a:solidFill>
                 <a:schemeClr val="accent4"/>
               </a:solidFill>
             </a:endParaRPr>
           </a:p>
+          <a:p>
+            <a:pPr marL="457200" lvl="1" indent="0">
+              <a:buNone/>
+            </a:pPr>
+            <a:endParaRPr lang="en-US" altLang="zh-CN" dirty="0">
+              <a:solidFill>
+                <a:schemeClr val="accent4"/>
+              </a:solidFill>
+            </a:endParaRPr>
+          </a:p>
+          <a:p>
+            <a:pPr marL="457200" lvl="1" indent="0">
+              <a:buNone/>
+            </a:pPr>
+            <a:endParaRPr lang="en-US" altLang="zh-CN" dirty="0">
+              <a:solidFill>
+                <a:schemeClr val="accent4"/>
+              </a:solidFill>
+            </a:endParaRPr>
+          </a:p>
+          <a:p>
+            <a:pPr marL="457200" lvl="1" indent="0">
+              <a:buNone/>
+            </a:pPr>
+            <a:endParaRPr lang="en-US" altLang="zh-CN" dirty="0">
+              <a:solidFill>
+                <a:schemeClr val="accent4"/>
+              </a:solidFill>
+            </a:endParaRPr>
+          </a:p>
+          <a:p>
+            <a:pPr marL="457200" lvl="1" indent="0">
+              <a:buNone/>
+            </a:pPr>
+            <a:endParaRPr lang="en-US" altLang="zh-CN" dirty="0">
+              <a:solidFill>
+                <a:schemeClr val="accent4"/>
+              </a:solidFill>
+            </a:endParaRPr>
+          </a:p>
         </p:txBody>
       </p:sp>
+      <p:pic>
+        <p:nvPicPr>
+          <p:cNvPr id="7" name="图片 6">
+            <a:extLst>
+              <a:ext uri="{FF2B5EF4-FFF2-40B4-BE49-F238E27FC236}">
+                <a16:creationId xmlns:a16="http://schemas.microsoft.com/office/drawing/2014/main" id="{00DA1879-872F-4006-BEE6-2CA93B648349}"/>
+              </a:ext>
+            </a:extLst>
+          </p:cNvPr>
+          <p:cNvPicPr>
+            <a:picLocks noChangeAspect="1"/>
+          </p:cNvPicPr>
+          <p:nvPr/>
+        </p:nvPicPr>
+        <p:blipFill>
+          <a:blip r:embed="rId2"/>
+          <a:stretch>
+            <a:fillRect/>
+          </a:stretch>
+        </p:blipFill>
+        <p:spPr>
+          <a:xfrm>
+            <a:off x="5330794" y="2907792"/>
+            <a:ext cx="6861205" cy="3950207"/>
+          </a:xfrm>
+          <a:prstGeom prst="rect">
+            <a:avLst/>
+          </a:prstGeom>
+        </p:spPr>
+      </p:pic>
     </p:spTree>
     <p:extLst>
       <p:ext uri="{BB962C8B-B14F-4D97-AF65-F5344CB8AC3E}">
@@ -27863,6 +27845,572 @@
                             </p:childTnLst>
                           </p:cTn>
                         </p:par>
+                      </p:childTnLst>
+                    </p:cTn>
+                  </p:par>
+                  <p:par>
+                    <p:cTn id="8" fill="hold">
+                      <p:stCondLst>
+                        <p:cond delay="indefinite"/>
+                      </p:stCondLst>
+                      <p:childTnLst>
+                        <p:par>
+                          <p:cTn id="9" fill="hold">
+                            <p:stCondLst>
+                              <p:cond delay="0"/>
+                            </p:stCondLst>
+                            <p:childTnLst>
+                              <p:par>
+                                <p:cTn id="10" presetID="10" presetClass="entr" presetSubtype="0" fill="hold" nodeType="clickEffect">
+                                  <p:stCondLst>
+                                    <p:cond delay="0"/>
+                                  </p:stCondLst>
+                                  <p:childTnLst>
+                                    <p:set>
+                                      <p:cBhvr>
+                                        <p:cTn id="11" dur="1" fill="hold">
+                                          <p:stCondLst>
+                                            <p:cond delay="0"/>
+                                          </p:stCondLst>
+                                        </p:cTn>
+                                        <p:tgtEl>
+                                          <p:spTgt spid="3">
+                                            <p:txEl>
+                                              <p:pRg st="1" end="1"/>
+                                            </p:txEl>
+                                          </p:spTgt>
+                                        </p:tgtEl>
+                                        <p:attrNameLst>
+                                          <p:attrName>style.visibility</p:attrName>
+                                        </p:attrNameLst>
+                                      </p:cBhvr>
+                                      <p:to>
+                                        <p:strVal val="visible"/>
+                                      </p:to>
+                                    </p:set>
+                                    <p:animEffect transition="in" filter="fade">
+                                      <p:cBhvr>
+                                        <p:cTn id="12" dur="500"/>
+                                        <p:tgtEl>
+                                          <p:spTgt spid="3">
+                                            <p:txEl>
+                                              <p:pRg st="1" end="1"/>
+                                            </p:txEl>
+                                          </p:spTgt>
+                                        </p:tgtEl>
+                                      </p:cBhvr>
+                                    </p:animEffect>
+                                  </p:childTnLst>
+                                </p:cTn>
+                              </p:par>
+                            </p:childTnLst>
+                          </p:cTn>
+                        </p:par>
+                        <p:par>
+                          <p:cTn id="13" fill="hold">
+                            <p:stCondLst>
+                              <p:cond delay="500"/>
+                            </p:stCondLst>
+                            <p:childTnLst>
+                              <p:par>
+                                <p:cTn id="14" presetID="10" presetClass="entr" presetSubtype="0" fill="hold" nodeType="afterEffect">
+                                  <p:stCondLst>
+                                    <p:cond delay="0"/>
+                                  </p:stCondLst>
+                                  <p:childTnLst>
+                                    <p:set>
+                                      <p:cBhvr>
+                                        <p:cTn id="15" dur="1" fill="hold">
+                                          <p:stCondLst>
+                                            <p:cond delay="0"/>
+                                          </p:stCondLst>
+                                        </p:cTn>
+                                        <p:tgtEl>
+                                          <p:spTgt spid="3">
+                                            <p:txEl>
+                                              <p:pRg st="2" end="2"/>
+                                            </p:txEl>
+                                          </p:spTgt>
+                                        </p:tgtEl>
+                                        <p:attrNameLst>
+                                          <p:attrName>style.visibility</p:attrName>
+                                        </p:attrNameLst>
+                                      </p:cBhvr>
+                                      <p:to>
+                                        <p:strVal val="visible"/>
+                                      </p:to>
+                                    </p:set>
+                                    <p:animEffect transition="in" filter="fade">
+                                      <p:cBhvr>
+                                        <p:cTn id="16" dur="500"/>
+                                        <p:tgtEl>
+                                          <p:spTgt spid="3">
+                                            <p:txEl>
+                                              <p:pRg st="2" end="2"/>
+                                            </p:txEl>
+                                          </p:spTgt>
+                                        </p:tgtEl>
+                                      </p:cBhvr>
+                                    </p:animEffect>
+                                  </p:childTnLst>
+                                </p:cTn>
+                              </p:par>
+                            </p:childTnLst>
+                          </p:cTn>
+                        </p:par>
+                      </p:childTnLst>
+                    </p:cTn>
+                  </p:par>
+                  <p:par>
+                    <p:cTn id="17" fill="hold">
+                      <p:stCondLst>
+                        <p:cond delay="indefinite"/>
+                      </p:stCondLst>
+                      <p:childTnLst>
+                        <p:par>
+                          <p:cTn id="18" fill="hold">
+                            <p:stCondLst>
+                              <p:cond delay="0"/>
+                            </p:stCondLst>
+                            <p:childTnLst>
+                              <p:par>
+                                <p:cTn id="19" presetID="10" presetClass="entr" presetSubtype="0" fill="hold" nodeType="clickEffect">
+                                  <p:stCondLst>
+                                    <p:cond delay="0"/>
+                                  </p:stCondLst>
+                                  <p:childTnLst>
+                                    <p:set>
+                                      <p:cBhvr>
+                                        <p:cTn id="20" dur="1" fill="hold">
+                                          <p:stCondLst>
+                                            <p:cond delay="0"/>
+                                          </p:stCondLst>
+                                        </p:cTn>
+                                        <p:tgtEl>
+                                          <p:spTgt spid="3">
+                                            <p:txEl>
+                                              <p:pRg st="3" end="3"/>
+                                            </p:txEl>
+                                          </p:spTgt>
+                                        </p:tgtEl>
+                                        <p:attrNameLst>
+                                          <p:attrName>style.visibility</p:attrName>
+                                        </p:attrNameLst>
+                                      </p:cBhvr>
+                                      <p:to>
+                                        <p:strVal val="visible"/>
+                                      </p:to>
+                                    </p:set>
+                                    <p:animEffect transition="in" filter="fade">
+                                      <p:cBhvr>
+                                        <p:cTn id="21" dur="500"/>
+                                        <p:tgtEl>
+                                          <p:spTgt spid="3">
+                                            <p:txEl>
+                                              <p:pRg st="3" end="3"/>
+                                            </p:txEl>
+                                          </p:spTgt>
+                                        </p:tgtEl>
+                                      </p:cBhvr>
+                                    </p:animEffect>
+                                  </p:childTnLst>
+                                </p:cTn>
+                              </p:par>
+                              <p:par>
+                                <p:cTn id="22" presetID="10" presetClass="entr" presetSubtype="0" fill="hold" nodeType="withEffect">
+                                  <p:stCondLst>
+                                    <p:cond delay="0"/>
+                                  </p:stCondLst>
+                                  <p:childTnLst>
+                                    <p:set>
+                                      <p:cBhvr>
+                                        <p:cTn id="23" dur="1" fill="hold">
+                                          <p:stCondLst>
+                                            <p:cond delay="0"/>
+                                          </p:stCondLst>
+                                        </p:cTn>
+                                        <p:tgtEl>
+                                          <p:spTgt spid="7"/>
+                                        </p:tgtEl>
+                                        <p:attrNameLst>
+                                          <p:attrName>style.visibility</p:attrName>
+                                        </p:attrNameLst>
+                                      </p:cBhvr>
+                                      <p:to>
+                                        <p:strVal val="visible"/>
+                                      </p:to>
+                                    </p:set>
+                                    <p:animEffect transition="in" filter="fade">
+                                      <p:cBhvr>
+                                        <p:cTn id="24" dur="500"/>
+                                        <p:tgtEl>
+                                          <p:spTgt spid="7"/>
+                                        </p:tgtEl>
+                                      </p:cBhvr>
+                                    </p:animEffect>
+                                  </p:childTnLst>
+                                </p:cTn>
+                              </p:par>
+                            </p:childTnLst>
+                          </p:cTn>
+                        </p:par>
+                      </p:childTnLst>
+                    </p:cTn>
+                  </p:par>
+                </p:childTnLst>
+              </p:cTn>
+              <p:prevCondLst>
+                <p:cond evt="onPrev" delay="0">
+                  <p:tgtEl>
+                    <p:sldTgt/>
+                  </p:tgtEl>
+                </p:cond>
+              </p:prevCondLst>
+              <p:nextCondLst>
+                <p:cond evt="onNext" delay="0">
+                  <p:tgtEl>
+                    <p:sldTgt/>
+                  </p:tgtEl>
+                </p:cond>
+              </p:nextCondLst>
+            </p:seq>
+          </p:childTnLst>
+        </p:cTn>
+      </p:par>
+    </p:tnLst>
+  </p:timing>
+</p:sld>
+</file>
+
+<file path=ppt/slides/slide27.xml><?xml version="1.0" encoding="utf-8"?>
+<p:sld xmlns:a="http://schemas.openxmlformats.org/drawingml/2006/main" xmlns:r="http://schemas.openxmlformats.org/officeDocument/2006/relationships" xmlns:p="http://schemas.openxmlformats.org/presentationml/2006/main">
+  <p:cSld>
+    <p:spTree>
+      <p:nvGrpSpPr>
+        <p:cNvPr id="1" name=""/>
+        <p:cNvGrpSpPr/>
+        <p:nvPr/>
+      </p:nvGrpSpPr>
+      <p:grpSpPr>
+        <a:xfrm>
+          <a:off x="0" y="0"/>
+          <a:ext cx="0" cy="0"/>
+          <a:chOff x="0" y="0"/>
+          <a:chExt cx="0" cy="0"/>
+        </a:xfrm>
+      </p:grpSpPr>
+      <p:sp>
+        <p:nvSpPr>
+          <p:cNvPr id="2" name="标题 1">
+            <a:extLst>
+              <a:ext uri="{FF2B5EF4-FFF2-40B4-BE49-F238E27FC236}">
+                <a16:creationId xmlns:a16="http://schemas.microsoft.com/office/drawing/2014/main" id="{373666E6-835A-43C7-A279-29EF4CEE2DEB}"/>
+              </a:ext>
+            </a:extLst>
+          </p:cNvPr>
+          <p:cNvSpPr>
+            <a:spLocks noGrp="1"/>
+          </p:cNvSpPr>
+          <p:nvPr>
+            <p:ph type="title"/>
+          </p:nvPr>
+        </p:nvSpPr>
+        <p:spPr/>
+        <p:txBody>
+          <a:bodyPr/>
+          <a:lstStyle/>
+          <a:p>
+            <a:r>
+              <a:rPr lang="en-US" altLang="zh-CN" dirty="0"/>
+              <a:t>How can we use these directives?</a:t>
+            </a:r>
+            <a:endParaRPr lang="zh-CN" altLang="en-US" dirty="0"/>
+          </a:p>
+        </p:txBody>
+      </p:sp>
+      <p:sp>
+        <p:nvSpPr>
+          <p:cNvPr id="3" name="内容占位符 2">
+            <a:extLst>
+              <a:ext uri="{FF2B5EF4-FFF2-40B4-BE49-F238E27FC236}">
+                <a16:creationId xmlns:a16="http://schemas.microsoft.com/office/drawing/2014/main" id="{6712F9C6-EF10-4224-9587-803F0A579FAD}"/>
+              </a:ext>
+            </a:extLst>
+          </p:cNvPr>
+          <p:cNvSpPr>
+            <a:spLocks noGrp="1"/>
+          </p:cNvSpPr>
+          <p:nvPr>
+            <p:ph idx="1"/>
+          </p:nvPr>
+        </p:nvSpPr>
+        <p:spPr>
+          <a:xfrm>
+            <a:off x="685801" y="1977475"/>
+            <a:ext cx="10131425" cy="4523909"/>
+          </a:xfrm>
+        </p:spPr>
+        <p:txBody>
+          <a:bodyPr/>
+          <a:lstStyle/>
+          <a:p>
+            <a:r>
+              <a:rPr lang="en-US" altLang="zh-CN" dirty="0"/>
+              <a:t>Switching to different code for different target</a:t>
+            </a:r>
+          </a:p>
+          <a:p>
+            <a:pPr marL="457200" lvl="1" indent="0">
+              <a:buNone/>
+            </a:pPr>
+            <a:r>
+              <a:rPr lang="en-US" altLang="zh-CN" dirty="0">
+                <a:solidFill>
+                  <a:schemeClr val="accent4"/>
+                </a:solidFill>
+              </a:rPr>
+              <a:t>#ifdef _WIN32</a:t>
+            </a:r>
+          </a:p>
+          <a:p>
+            <a:pPr marL="457200" lvl="1" indent="0">
+              <a:buNone/>
+            </a:pPr>
+            <a:r>
+              <a:rPr lang="en-US" altLang="zh-CN" dirty="0">
+                <a:solidFill>
+                  <a:schemeClr val="accent4"/>
+                </a:solidFill>
+              </a:rPr>
+              <a:t>#if __</a:t>
+            </a:r>
+            <a:r>
+              <a:rPr lang="en-US" altLang="zh-CN" dirty="0" err="1">
+                <a:solidFill>
+                  <a:schemeClr val="accent4"/>
+                </a:solidFill>
+              </a:rPr>
+              <a:t>cplusplus</a:t>
+            </a:r>
+            <a:r>
+              <a:rPr lang="en-US" altLang="zh-CN" dirty="0">
+                <a:solidFill>
+                  <a:schemeClr val="accent4"/>
+                </a:solidFill>
+              </a:rPr>
+              <a:t> &gt;= 201103L</a:t>
+            </a:r>
+          </a:p>
+          <a:p>
+            <a:r>
+              <a:rPr lang="en-US" altLang="zh-CN" dirty="0"/>
+              <a:t>Or checking if compiler works:</a:t>
+            </a:r>
+          </a:p>
+          <a:p>
+            <a:r>
+              <a:rPr lang="en-US" altLang="zh-CN" dirty="0"/>
+              <a:t>Debug</a:t>
+            </a:r>
+          </a:p>
+          <a:p>
+            <a:pPr marL="457200" lvl="1" indent="0">
+              <a:buNone/>
+            </a:pPr>
+            <a:r>
+              <a:rPr lang="en-US" altLang="zh-CN" dirty="0">
+                <a:solidFill>
+                  <a:schemeClr val="accent4"/>
+                </a:solidFill>
+              </a:rPr>
+              <a:t>#define DEBUG(s) </a:t>
+            </a:r>
+            <a:r>
+              <a:rPr lang="en-US" altLang="zh-CN" dirty="0" err="1">
+                <a:solidFill>
+                  <a:schemeClr val="accent4"/>
+                </a:solidFill>
+              </a:rPr>
+              <a:t>fprintf</a:t>
+            </a:r>
+            <a:r>
+              <a:rPr lang="en-US" altLang="zh-CN" dirty="0">
+                <a:solidFill>
+                  <a:schemeClr val="accent4"/>
+                </a:solidFill>
+              </a:rPr>
+              <a:t>(stderr, __FILE__ __LINE__ "%s", s) </a:t>
+            </a:r>
+          </a:p>
+          <a:p>
+            <a:r>
+              <a:rPr lang="en-US" altLang="zh-CN" dirty="0"/>
+              <a:t>And do something cooler if you are master!</a:t>
+            </a:r>
+          </a:p>
+          <a:p>
+            <a:pPr marL="457200" lvl="1" indent="0">
+              <a:buNone/>
+            </a:pPr>
+            <a:r>
+              <a:rPr lang="en-US" altLang="zh-CN" dirty="0">
+                <a:solidFill>
+                  <a:schemeClr val="accent4"/>
+                </a:solidFill>
+              </a:rPr>
+              <a:t>#define assert(_Expression) \</a:t>
+            </a:r>
+          </a:p>
+          <a:p>
+            <a:pPr marL="457200" lvl="1" indent="0">
+              <a:buNone/>
+            </a:pPr>
+            <a:r>
+              <a:rPr lang="en-US" altLang="zh-CN" dirty="0">
+                <a:solidFill>
+                  <a:schemeClr val="accent4"/>
+                </a:solidFill>
+              </a:rPr>
+              <a:t> (void) \</a:t>
+            </a:r>
+          </a:p>
+          <a:p>
+            <a:pPr marL="457200" lvl="1" indent="0">
+              <a:buNone/>
+            </a:pPr>
+            <a:r>
+              <a:rPr lang="en-US" altLang="zh-CN" dirty="0">
+                <a:solidFill>
+                  <a:schemeClr val="accent4"/>
+                </a:solidFill>
+              </a:rPr>
+              <a:t> ((!!(_Expression)) || \</a:t>
+            </a:r>
+          </a:p>
+          <a:p>
+            <a:pPr marL="457200" lvl="1" indent="0">
+              <a:buNone/>
+            </a:pPr>
+            <a:r>
+              <a:rPr lang="en-US" altLang="zh-CN" dirty="0">
+                <a:solidFill>
+                  <a:schemeClr val="accent4"/>
+                </a:solidFill>
+              </a:rPr>
+              <a:t>  (_assert(#_</a:t>
+            </a:r>
+            <a:r>
+              <a:rPr lang="en-US" altLang="zh-CN" dirty="0" err="1">
+                <a:solidFill>
+                  <a:schemeClr val="accent4"/>
+                </a:solidFill>
+              </a:rPr>
+              <a:t>Expression,__FILE__,__LINE</a:t>
+            </a:r>
+            <a:r>
+              <a:rPr lang="en-US" altLang="zh-CN" dirty="0">
+                <a:solidFill>
+                  <a:schemeClr val="accent4"/>
+                </a:solidFill>
+              </a:rPr>
+              <a:t>__),0))</a:t>
+            </a:r>
+            <a:endParaRPr lang="zh-CN" altLang="en-US" dirty="0">
+              <a:solidFill>
+                <a:schemeClr val="accent4"/>
+              </a:solidFill>
+            </a:endParaRPr>
+          </a:p>
+        </p:txBody>
+      </p:sp>
+    </p:spTree>
+    <p:extLst>
+      <p:ext uri="{BB962C8B-B14F-4D97-AF65-F5344CB8AC3E}">
+        <p14:creationId xmlns:p14="http://schemas.microsoft.com/office/powerpoint/2010/main" val="78242862"/>
+      </p:ext>
+    </p:extLst>
+  </p:cSld>
+  <p:clrMapOvr>
+    <a:masterClrMapping/>
+  </p:clrMapOvr>
+  <mc:AlternateContent xmlns:mc="http://schemas.openxmlformats.org/markup-compatibility/2006" xmlns:p14="http://schemas.microsoft.com/office/powerpoint/2010/main">
+    <mc:Choice Requires="p14">
+      <p:transition spd="med" p14:dur="700">
+        <p:fade/>
+      </p:transition>
+    </mc:Choice>
+    <mc:Fallback xmlns="">
+      <p:transition spd="med">
+        <p:fade/>
+      </p:transition>
+    </mc:Fallback>
+  </mc:AlternateContent>
+  <p:timing>
+    <p:tnLst>
+      <p:par>
+        <p:cTn id="1" dur="indefinite" restart="never" nodeType="tmRoot">
+          <p:childTnLst>
+            <p:seq concurrent="1" nextAc="seek">
+              <p:cTn id="2" dur="indefinite" nodeType="mainSeq">
+                <p:childTnLst>
+                  <p:par>
+                    <p:cTn id="3" fill="hold">
+                      <p:stCondLst>
+                        <p:cond delay="indefinite"/>
+                      </p:stCondLst>
+                      <p:childTnLst>
+                        <p:par>
+                          <p:cTn id="4" fill="hold">
+                            <p:stCondLst>
+                              <p:cond delay="0"/>
+                            </p:stCondLst>
+                            <p:childTnLst>
+                              <p:par>
+                                <p:cTn id="5" presetID="10" presetClass="entr" presetSubtype="0" fill="hold" nodeType="clickEffect">
+                                  <p:stCondLst>
+                                    <p:cond delay="0"/>
+                                  </p:stCondLst>
+                                  <p:childTnLst>
+                                    <p:set>
+                                      <p:cBhvr>
+                                        <p:cTn id="6" dur="1" fill="hold">
+                                          <p:stCondLst>
+                                            <p:cond delay="0"/>
+                                          </p:stCondLst>
+                                        </p:cTn>
+                                        <p:tgtEl>
+                                          <p:spTgt spid="3">
+                                            <p:txEl>
+                                              <p:pRg st="6" end="6"/>
+                                            </p:txEl>
+                                          </p:spTgt>
+                                        </p:tgtEl>
+                                        <p:attrNameLst>
+                                          <p:attrName>style.visibility</p:attrName>
+                                        </p:attrNameLst>
+                                      </p:cBhvr>
+                                      <p:to>
+                                        <p:strVal val="visible"/>
+                                      </p:to>
+                                    </p:set>
+                                    <p:animEffect transition="in" filter="fade">
+                                      <p:cBhvr>
+                                        <p:cTn id="7" dur="500"/>
+                                        <p:tgtEl>
+                                          <p:spTgt spid="3">
+                                            <p:txEl>
+                                              <p:pRg st="6" end="6"/>
+                                            </p:txEl>
+                                          </p:spTgt>
+                                        </p:tgtEl>
+                                      </p:cBhvr>
+                                    </p:animEffect>
+                                  </p:childTnLst>
+                                </p:cTn>
+                              </p:par>
+                            </p:childTnLst>
+                          </p:cTn>
+                        </p:par>
                         <p:par>
                           <p:cTn id="8" fill="hold">
                             <p:stCondLst>
@@ -27885,7 +28433,7 @@
                                         <p:tgtEl>
                                           <p:spTgt spid="3">
                                             <p:txEl>
-                                              <p:pRg st="1" end="1"/>
+                                              <p:pRg st="7" end="7"/>
                                             </p:txEl>
                                           </p:spTgt>
                                         </p:tgtEl>
@@ -27903,7 +28451,7 @@
                                         <p:tgtEl>
                                           <p:spTgt spid="3">
                                             <p:txEl>
-                                              <p:pRg st="1" end="1"/>
+                                              <p:pRg st="7" end="7"/>
                                             </p:txEl>
                                           </p:spTgt>
                                         </p:tgtEl>
@@ -27937,7 +28485,7 @@
                                         <p:tgtEl>
                                           <p:spTgt spid="3">
                                             <p:txEl>
-                                              <p:pRg st="2" end="2"/>
+                                              <p:pRg st="8" end="8"/>
                                             </p:txEl>
                                           </p:spTgt>
                                         </p:tgtEl>
@@ -27955,336 +28503,6 @@
                                         <p:tgtEl>
                                           <p:spTgt spid="3">
                                             <p:txEl>
-                                              <p:pRg st="2" end="2"/>
-                                            </p:txEl>
-                                          </p:spTgt>
-                                        </p:tgtEl>
-                                      </p:cBhvr>
-                                    </p:animEffect>
-                                  </p:childTnLst>
-                                </p:cTn>
-                              </p:par>
-                            </p:childTnLst>
-                          </p:cTn>
-                        </p:par>
-                      </p:childTnLst>
-                    </p:cTn>
-                  </p:par>
-                  <p:par>
-                    <p:cTn id="16" fill="hold">
-                      <p:stCondLst>
-                        <p:cond delay="indefinite"/>
-                      </p:stCondLst>
-                      <p:childTnLst>
-                        <p:par>
-                          <p:cTn id="17" fill="hold">
-                            <p:stCondLst>
-                              <p:cond delay="0"/>
-                            </p:stCondLst>
-                            <p:childTnLst>
-                              <p:par>
-                                <p:cTn id="18" presetID="10" presetClass="entr" presetSubtype="0" fill="hold" nodeType="clickEffect">
-                                  <p:stCondLst>
-                                    <p:cond delay="0"/>
-                                  </p:stCondLst>
-                                  <p:childTnLst>
-                                    <p:set>
-                                      <p:cBhvr>
-                                        <p:cTn id="19" dur="1" fill="hold">
-                                          <p:stCondLst>
-                                            <p:cond delay="0"/>
-                                          </p:stCondLst>
-                                        </p:cTn>
-                                        <p:tgtEl>
-                                          <p:spTgt spid="3">
-                                            <p:txEl>
-                                              <p:pRg st="3" end="3"/>
-                                            </p:txEl>
-                                          </p:spTgt>
-                                        </p:tgtEl>
-                                        <p:attrNameLst>
-                                          <p:attrName>style.visibility</p:attrName>
-                                        </p:attrNameLst>
-                                      </p:cBhvr>
-                                      <p:to>
-                                        <p:strVal val="visible"/>
-                                      </p:to>
-                                    </p:set>
-                                    <p:animEffect transition="in" filter="fade">
-                                      <p:cBhvr>
-                                        <p:cTn id="20" dur="500"/>
-                                        <p:tgtEl>
-                                          <p:spTgt spid="3">
-                                            <p:txEl>
-                                              <p:pRg st="3" end="3"/>
-                                            </p:txEl>
-                                          </p:spTgt>
-                                        </p:tgtEl>
-                                      </p:cBhvr>
-                                    </p:animEffect>
-                                  </p:childTnLst>
-                                </p:cTn>
-                              </p:par>
-                            </p:childTnLst>
-                          </p:cTn>
-                        </p:par>
-                        <p:par>
-                          <p:cTn id="21" fill="hold">
-                            <p:stCondLst>
-                              <p:cond delay="500"/>
-                            </p:stCondLst>
-                            <p:childTnLst>
-                              <p:par>
-                                <p:cTn id="22" presetID="10" presetClass="entr" presetSubtype="0" fill="hold" nodeType="afterEffect">
-                                  <p:stCondLst>
-                                    <p:cond delay="0"/>
-                                  </p:stCondLst>
-                                  <p:childTnLst>
-                                    <p:set>
-                                      <p:cBhvr>
-                                        <p:cTn id="23" dur="1" fill="hold">
-                                          <p:stCondLst>
-                                            <p:cond delay="0"/>
-                                          </p:stCondLst>
-                                        </p:cTn>
-                                        <p:tgtEl>
-                                          <p:spTgt spid="3">
-                                            <p:txEl>
-                                              <p:pRg st="4" end="4"/>
-                                            </p:txEl>
-                                          </p:spTgt>
-                                        </p:tgtEl>
-                                        <p:attrNameLst>
-                                          <p:attrName>style.visibility</p:attrName>
-                                        </p:attrNameLst>
-                                      </p:cBhvr>
-                                      <p:to>
-                                        <p:strVal val="visible"/>
-                                      </p:to>
-                                    </p:set>
-                                    <p:animEffect transition="in" filter="fade">
-                                      <p:cBhvr>
-                                        <p:cTn id="24" dur="500"/>
-                                        <p:tgtEl>
-                                          <p:spTgt spid="3">
-                                            <p:txEl>
-                                              <p:pRg st="4" end="4"/>
-                                            </p:txEl>
-                                          </p:spTgt>
-                                        </p:tgtEl>
-                                      </p:cBhvr>
-                                    </p:animEffect>
-                                  </p:childTnLst>
-                                </p:cTn>
-                              </p:par>
-                            </p:childTnLst>
-                          </p:cTn>
-                        </p:par>
-                      </p:childTnLst>
-                    </p:cTn>
-                  </p:par>
-                  <p:par>
-                    <p:cTn id="25" fill="hold">
-                      <p:stCondLst>
-                        <p:cond delay="indefinite"/>
-                      </p:stCondLst>
-                      <p:childTnLst>
-                        <p:par>
-                          <p:cTn id="26" fill="hold">
-                            <p:stCondLst>
-                              <p:cond delay="0"/>
-                            </p:stCondLst>
-                            <p:childTnLst>
-                              <p:par>
-                                <p:cTn id="27" presetID="10" presetClass="entr" presetSubtype="0" fill="hold" nodeType="clickEffect">
-                                  <p:stCondLst>
-                                    <p:cond delay="0"/>
-                                  </p:stCondLst>
-                                  <p:childTnLst>
-                                    <p:set>
-                                      <p:cBhvr>
-                                        <p:cTn id="28" dur="1" fill="hold">
-                                          <p:stCondLst>
-                                            <p:cond delay="0"/>
-                                          </p:stCondLst>
-                                        </p:cTn>
-                                        <p:tgtEl>
-                                          <p:spTgt spid="3">
-                                            <p:txEl>
-                                              <p:pRg st="5" end="5"/>
-                                            </p:txEl>
-                                          </p:spTgt>
-                                        </p:tgtEl>
-                                        <p:attrNameLst>
-                                          <p:attrName>style.visibility</p:attrName>
-                                        </p:attrNameLst>
-                                      </p:cBhvr>
-                                      <p:to>
-                                        <p:strVal val="visible"/>
-                                      </p:to>
-                                    </p:set>
-                                    <p:animEffect transition="in" filter="fade">
-                                      <p:cBhvr>
-                                        <p:cTn id="29" dur="500"/>
-                                        <p:tgtEl>
-                                          <p:spTgt spid="3">
-                                            <p:txEl>
-                                              <p:pRg st="5" end="5"/>
-                                            </p:txEl>
-                                          </p:spTgt>
-                                        </p:tgtEl>
-                                      </p:cBhvr>
-                                    </p:animEffect>
-                                  </p:childTnLst>
-                                </p:cTn>
-                              </p:par>
-                            </p:childTnLst>
-                          </p:cTn>
-                        </p:par>
-                        <p:par>
-                          <p:cTn id="30" fill="hold">
-                            <p:stCondLst>
-                              <p:cond delay="500"/>
-                            </p:stCondLst>
-                            <p:childTnLst>
-                              <p:par>
-                                <p:cTn id="31" presetID="10" presetClass="entr" presetSubtype="0" fill="hold" nodeType="afterEffect">
-                                  <p:stCondLst>
-                                    <p:cond delay="0"/>
-                                  </p:stCondLst>
-                                  <p:childTnLst>
-                                    <p:set>
-                                      <p:cBhvr>
-                                        <p:cTn id="32" dur="1" fill="hold">
-                                          <p:stCondLst>
-                                            <p:cond delay="0"/>
-                                          </p:stCondLst>
-                                        </p:cTn>
-                                        <p:tgtEl>
-                                          <p:spTgt spid="3">
-                                            <p:txEl>
-                                              <p:pRg st="6" end="6"/>
-                                            </p:txEl>
-                                          </p:spTgt>
-                                        </p:tgtEl>
-                                        <p:attrNameLst>
-                                          <p:attrName>style.visibility</p:attrName>
-                                        </p:attrNameLst>
-                                      </p:cBhvr>
-                                      <p:to>
-                                        <p:strVal val="visible"/>
-                                      </p:to>
-                                    </p:set>
-                                    <p:animEffect transition="in" filter="fade">
-                                      <p:cBhvr>
-                                        <p:cTn id="33" dur="500"/>
-                                        <p:tgtEl>
-                                          <p:spTgt spid="3">
-                                            <p:txEl>
-                                              <p:pRg st="6" end="6"/>
-                                            </p:txEl>
-                                          </p:spTgt>
-                                        </p:tgtEl>
-                                      </p:cBhvr>
-                                    </p:animEffect>
-                                  </p:childTnLst>
-                                </p:cTn>
-                              </p:par>
-                            </p:childTnLst>
-                          </p:cTn>
-                        </p:par>
-                        <p:par>
-                          <p:cTn id="34" fill="hold">
-                            <p:stCondLst>
-                              <p:cond delay="1000"/>
-                            </p:stCondLst>
-                            <p:childTnLst>
-                              <p:par>
-                                <p:cTn id="35" presetID="10" presetClass="entr" presetSubtype="0" fill="hold" nodeType="afterEffect">
-                                  <p:stCondLst>
-                                    <p:cond delay="0"/>
-                                  </p:stCondLst>
-                                  <p:childTnLst>
-                                    <p:set>
-                                      <p:cBhvr>
-                                        <p:cTn id="36" dur="1" fill="hold">
-                                          <p:stCondLst>
-                                            <p:cond delay="0"/>
-                                          </p:stCondLst>
-                                        </p:cTn>
-                                        <p:tgtEl>
-                                          <p:spTgt spid="3">
-                                            <p:txEl>
-                                              <p:pRg st="7" end="7"/>
-                                            </p:txEl>
-                                          </p:spTgt>
-                                        </p:tgtEl>
-                                        <p:attrNameLst>
-                                          <p:attrName>style.visibility</p:attrName>
-                                        </p:attrNameLst>
-                                      </p:cBhvr>
-                                      <p:to>
-                                        <p:strVal val="visible"/>
-                                      </p:to>
-                                    </p:set>
-                                    <p:animEffect transition="in" filter="fade">
-                                      <p:cBhvr>
-                                        <p:cTn id="37" dur="500"/>
-                                        <p:tgtEl>
-                                          <p:spTgt spid="3">
-                                            <p:txEl>
-                                              <p:pRg st="7" end="7"/>
-                                            </p:txEl>
-                                          </p:spTgt>
-                                        </p:tgtEl>
-                                      </p:cBhvr>
-                                    </p:animEffect>
-                                  </p:childTnLst>
-                                </p:cTn>
-                              </p:par>
-                            </p:childTnLst>
-                          </p:cTn>
-                        </p:par>
-                        <p:par>
-                          <p:cTn id="38" fill="hold">
-                            <p:stCondLst>
-                              <p:cond delay="1500"/>
-                            </p:stCondLst>
-                            <p:childTnLst>
-                              <p:par>
-                                <p:cTn id="39" presetID="10" presetClass="entr" presetSubtype="0" fill="hold" nodeType="afterEffect">
-                                  <p:stCondLst>
-                                    <p:cond delay="0"/>
-                                  </p:stCondLst>
-                                  <p:childTnLst>
-                                    <p:set>
-                                      <p:cBhvr>
-                                        <p:cTn id="40" dur="1" fill="hold">
-                                          <p:stCondLst>
-                                            <p:cond delay="0"/>
-                                          </p:stCondLst>
-                                        </p:cTn>
-                                        <p:tgtEl>
-                                          <p:spTgt spid="3">
-                                            <p:txEl>
-                                              <p:pRg st="8" end="8"/>
-                                            </p:txEl>
-                                          </p:spTgt>
-                                        </p:tgtEl>
-                                        <p:attrNameLst>
-                                          <p:attrName>style.visibility</p:attrName>
-                                        </p:attrNameLst>
-                                      </p:cBhvr>
-                                      <p:to>
-                                        <p:strVal val="visible"/>
-                                      </p:to>
-                                    </p:set>
-                                    <p:animEffect transition="in" filter="fade">
-                                      <p:cBhvr>
-                                        <p:cTn id="41" dur="500"/>
-                                        <p:tgtEl>
-                                          <p:spTgt spid="3">
-                                            <p:txEl>
                                               <p:pRg st="8" end="8"/>
                                             </p:txEl>
                                           </p:spTgt>
@@ -28298,20 +28516,20 @@
                           </p:cTn>
                         </p:par>
                         <p:par>
-                          <p:cTn id="42" fill="hold">
+                          <p:cTn id="16" fill="hold">
                             <p:stCondLst>
-                              <p:cond delay="2000"/>
+                              <p:cond delay="1500"/>
                             </p:stCondLst>
                             <p:childTnLst>
                               <p:par>
-                                <p:cTn id="43" presetID="10" presetClass="entr" presetSubtype="0" fill="hold" nodeType="afterEffect">
+                                <p:cTn id="17" presetID="10" presetClass="entr" presetSubtype="0" fill="hold" nodeType="afterEffect">
                                   <p:stCondLst>
                                     <p:cond delay="0"/>
                                   </p:stCondLst>
                                   <p:childTnLst>
                                     <p:set>
                                       <p:cBhvr>
-                                        <p:cTn id="44" dur="1" fill="hold">
+                                        <p:cTn id="18" dur="1" fill="hold">
                                           <p:stCondLst>
                                             <p:cond delay="0"/>
                                           </p:stCondLst>
@@ -28333,11 +28551,63 @@
                                     </p:set>
                                     <p:animEffect transition="in" filter="fade">
                                       <p:cBhvr>
-                                        <p:cTn id="45" dur="500"/>
+                                        <p:cTn id="19" dur="500"/>
                                         <p:tgtEl>
                                           <p:spTgt spid="3">
                                             <p:txEl>
                                               <p:pRg st="9" end="9"/>
+                                            </p:txEl>
+                                          </p:spTgt>
+                                        </p:tgtEl>
+                                      </p:cBhvr>
+                                    </p:animEffect>
+                                  </p:childTnLst>
+                                </p:cTn>
+                              </p:par>
+                            </p:childTnLst>
+                          </p:cTn>
+                        </p:par>
+                        <p:par>
+                          <p:cTn id="20" fill="hold">
+                            <p:stCondLst>
+                              <p:cond delay="2000"/>
+                            </p:stCondLst>
+                            <p:childTnLst>
+                              <p:par>
+                                <p:cTn id="21" presetID="10" presetClass="entr" presetSubtype="0" fill="hold" nodeType="afterEffect">
+                                  <p:stCondLst>
+                                    <p:cond delay="0"/>
+                                  </p:stCondLst>
+                                  <p:childTnLst>
+                                    <p:set>
+                                      <p:cBhvr>
+                                        <p:cTn id="22" dur="1" fill="hold">
+                                          <p:stCondLst>
+                                            <p:cond delay="0"/>
+                                          </p:stCondLst>
+                                        </p:cTn>
+                                        <p:tgtEl>
+                                          <p:spTgt spid="3">
+                                            <p:txEl>
+                                              <p:pRg st="10" end="10"/>
+                                            </p:txEl>
+                                          </p:spTgt>
+                                        </p:tgtEl>
+                                        <p:attrNameLst>
+                                          <p:attrName>style.visibility</p:attrName>
+                                        </p:attrNameLst>
+                                      </p:cBhvr>
+                                      <p:to>
+                                        <p:strVal val="visible"/>
+                                      </p:to>
+                                    </p:set>
+                                    <p:animEffect transition="in" filter="fade">
+                                      <p:cBhvr>
+                                        <p:cTn id="23" dur="500"/>
+                                        <p:tgtEl>
+                                          <p:spTgt spid="3">
+                                            <p:txEl>
+                                              <p:pRg st="10" end="10"/>
                                             </p:txEl>
                                           </p:spTgt>
                                         </p:tgtEl>
@@ -28377,7 +28647,7 @@
 </p:sld>
 </file>
 
-<file path=ppt/slides/slide27.xml><?xml version="1.0" encoding="utf-8"?>
+<file path=ppt/slides/slide28.xml><?xml version="1.0" encoding="utf-8"?>
 <p:sld xmlns:a="http://schemas.openxmlformats.org/drawingml/2006/main" xmlns:r="http://schemas.openxmlformats.org/officeDocument/2006/relationships" xmlns:p="http://schemas.openxmlformats.org/presentationml/2006/main">
   <p:cSld>
     <p:spTree>
@@ -28825,7 +29095,7 @@
 </p:sld>
 </file>
 
-<file path=ppt/slides/slide28.xml><?xml version="1.0" encoding="utf-8"?>
+<file path=ppt/slides/slide29.xml><?xml version="1.0" encoding="utf-8"?>
 <p:sld xmlns:a="http://schemas.openxmlformats.org/drawingml/2006/main" xmlns:r="http://schemas.openxmlformats.org/officeDocument/2006/relationships" xmlns:p="http://schemas.openxmlformats.org/presentationml/2006/main">
   <p:cSld>
     <p:spTree>
@@ -29235,93 +29505,6 @@
 </p:sld>
 </file>
 
-<file path=ppt/slides/slide29.xml><?xml version="1.0" encoding="utf-8"?>
-<p:sld xmlns:a="http://schemas.openxmlformats.org/drawingml/2006/main" xmlns:r="http://schemas.openxmlformats.org/officeDocument/2006/relationships" xmlns:p="http://schemas.openxmlformats.org/presentationml/2006/main">
-  <p:cSld>
-    <p:spTree>
-      <p:nvGrpSpPr>
-        <p:cNvPr id="1" name=""/>
-        <p:cNvGrpSpPr/>
-        <p:nvPr/>
-      </p:nvGrpSpPr>
-      <p:grpSpPr>
-        <a:xfrm>
-          <a:off x="0" y="0"/>
-          <a:ext cx="0" cy="0"/>
-          <a:chOff x="0" y="0"/>
-          <a:chExt cx="0" cy="0"/>
-        </a:xfrm>
-      </p:grpSpPr>
-      <p:sp>
-        <p:nvSpPr>
-          <p:cNvPr id="2" name="标题 1">
-            <a:extLst>
-              <a:ext uri="{FF2B5EF4-FFF2-40B4-BE49-F238E27FC236}">
-                <a16:creationId xmlns:a16="http://schemas.microsoft.com/office/drawing/2014/main" id="{373666E6-835A-43C7-A279-29EF4CEE2DEB}"/>
-              </a:ext>
-            </a:extLst>
-          </p:cNvPr>
-          <p:cNvSpPr>
-            <a:spLocks noGrp="1"/>
-          </p:cNvSpPr>
-          <p:nvPr>
-            <p:ph type="title"/>
-          </p:nvPr>
-        </p:nvSpPr>
-        <p:spPr/>
-        <p:txBody>
-          <a:bodyPr/>
-          <a:lstStyle/>
-          <a:p>
-            <a:r>
-              <a:rPr lang="en-US" altLang="zh-CN" dirty="0"/>
-              <a:t>Result: The very first example</a:t>
-            </a:r>
-            <a:endParaRPr lang="zh-CN" altLang="en-US" dirty="0"/>
-          </a:p>
-        </p:txBody>
-      </p:sp>
-      <p:pic>
-        <p:nvPicPr>
-          <p:cNvPr id="10" name="内容占位符 9">
-            <a:extLst>
-              <a:ext uri="{FF2B5EF4-FFF2-40B4-BE49-F238E27FC236}">
-                <a16:creationId xmlns:a16="http://schemas.microsoft.com/office/drawing/2014/main" id="{C514C730-945B-4F4D-8127-7A4CC770D7EA}"/>
-              </a:ext>
-            </a:extLst>
-          </p:cNvPr>
-          <p:cNvPicPr>
-            <a:picLocks noGrp="1" noChangeAspect="1"/>
-          </p:cNvPicPr>
-          <p:nvPr>
-            <p:ph idx="1"/>
-          </p:nvPr>
-        </p:nvPicPr>
-        <p:blipFill rotWithShape="1">
-          <a:blip r:embed="rId2"/>
-          <a:srcRect t="20452"/>
-          <a:stretch/>
-        </p:blipFill>
-        <p:spPr>
-          <a:xfrm>
-            <a:off x="1030287" y="2527610"/>
-            <a:ext cx="10131425" cy="2892644"/>
-          </a:xfrm>
-        </p:spPr>
-      </p:pic>
-    </p:spTree>
-    <p:extLst>
-      <p:ext uri="{BB962C8B-B14F-4D97-AF65-F5344CB8AC3E}">
-        <p14:creationId xmlns:p14="http://schemas.microsoft.com/office/powerpoint/2010/main" val="107279206"/>
-      </p:ext>
-    </p:extLst>
-  </p:cSld>
-  <p:clrMapOvr>
-    <a:masterClrMapping/>
-  </p:clrMapOvr>
-</p:sld>
-</file>
-
 <file path=ppt/slides/slide3.xml><?xml version="1.0" encoding="utf-8"?>
 <p:sld xmlns:a="http://schemas.openxmlformats.org/drawingml/2006/main" xmlns:r="http://schemas.openxmlformats.org/officeDocument/2006/relationships" xmlns:p="http://schemas.openxmlformats.org/presentationml/2006/main">
   <p:cSld>
@@ -29452,6 +29635,93 @@
           <a:p>
             <a:r>
               <a:rPr lang="en-US" altLang="zh-CN" dirty="0"/>
+              <a:t>Result: The very first example</a:t>
+            </a:r>
+            <a:endParaRPr lang="zh-CN" altLang="en-US" dirty="0"/>
+          </a:p>
+        </p:txBody>
+      </p:sp>
+      <p:pic>
+        <p:nvPicPr>
+          <p:cNvPr id="10" name="内容占位符 9">
+            <a:extLst>
+              <a:ext uri="{FF2B5EF4-FFF2-40B4-BE49-F238E27FC236}">
+                <a16:creationId xmlns:a16="http://schemas.microsoft.com/office/drawing/2014/main" id="{C514C730-945B-4F4D-8127-7A4CC770D7EA}"/>
+              </a:ext>
+            </a:extLst>
+          </p:cNvPr>
+          <p:cNvPicPr>
+            <a:picLocks noGrp="1" noChangeAspect="1"/>
+          </p:cNvPicPr>
+          <p:nvPr>
+            <p:ph idx="1"/>
+          </p:nvPr>
+        </p:nvPicPr>
+        <p:blipFill rotWithShape="1">
+          <a:blip r:embed="rId2"/>
+          <a:srcRect t="20452"/>
+          <a:stretch/>
+        </p:blipFill>
+        <p:spPr>
+          <a:xfrm>
+            <a:off x="1030287" y="2527610"/>
+            <a:ext cx="10131425" cy="2892644"/>
+          </a:xfrm>
+        </p:spPr>
+      </p:pic>
+    </p:spTree>
+    <p:extLst>
+      <p:ext uri="{BB962C8B-B14F-4D97-AF65-F5344CB8AC3E}">
+        <p14:creationId xmlns:p14="http://schemas.microsoft.com/office/powerpoint/2010/main" val="107279206"/>
+      </p:ext>
+    </p:extLst>
+  </p:cSld>
+  <p:clrMapOvr>
+    <a:masterClrMapping/>
+  </p:clrMapOvr>
+</p:sld>
+</file>
+
+<file path=ppt/slides/slide31.xml><?xml version="1.0" encoding="utf-8"?>
+<p:sld xmlns:a="http://schemas.openxmlformats.org/drawingml/2006/main" xmlns:r="http://schemas.openxmlformats.org/officeDocument/2006/relationships" xmlns:p="http://schemas.openxmlformats.org/presentationml/2006/main">
+  <p:cSld>
+    <p:spTree>
+      <p:nvGrpSpPr>
+        <p:cNvPr id="1" name=""/>
+        <p:cNvGrpSpPr/>
+        <p:nvPr/>
+      </p:nvGrpSpPr>
+      <p:grpSpPr>
+        <a:xfrm>
+          <a:off x="0" y="0"/>
+          <a:ext cx="0" cy="0"/>
+          <a:chOff x="0" y="0"/>
+          <a:chExt cx="0" cy="0"/>
+        </a:xfrm>
+      </p:grpSpPr>
+      <p:sp>
+        <p:nvSpPr>
+          <p:cNvPr id="2" name="标题 1">
+            <a:extLst>
+              <a:ext uri="{FF2B5EF4-FFF2-40B4-BE49-F238E27FC236}">
+                <a16:creationId xmlns:a16="http://schemas.microsoft.com/office/drawing/2014/main" id="{373666E6-835A-43C7-A279-29EF4CEE2DEB}"/>
+              </a:ext>
+            </a:extLst>
+          </p:cNvPr>
+          <p:cNvSpPr>
+            <a:spLocks noGrp="1"/>
+          </p:cNvSpPr>
+          <p:nvPr>
+            <p:ph type="title"/>
+          </p:nvPr>
+        </p:nvSpPr>
+        <p:spPr/>
+        <p:txBody>
+          <a:bodyPr/>
+          <a:lstStyle/>
+          <a:p>
+            <a:r>
+              <a:rPr lang="en-US" altLang="zh-CN" dirty="0"/>
               <a:t>Result: C++ Hello World</a:t>
             </a:r>
             <a:endParaRPr lang="zh-CN" altLang="en-US" dirty="0"/>
@@ -29539,7 +29809,7 @@
 </p:sld>
 </file>
 
-<file path=ppt/slides/slide31.xml><?xml version="1.0" encoding="utf-8"?>
+<file path=ppt/slides/slide32.xml><?xml version="1.0" encoding="utf-8"?>
 <p:sld xmlns:a="http://schemas.openxmlformats.org/drawingml/2006/main" xmlns:r="http://schemas.openxmlformats.org/officeDocument/2006/relationships" xmlns:p="http://schemas.openxmlformats.org/presentationml/2006/main">
   <p:cSld>
     <p:spTree>
@@ -29627,7 +29897,7 @@
 </p:sld>
 </file>
 
-<file path=ppt/slides/slide32.xml><?xml version="1.0" encoding="utf-8"?>
+<file path=ppt/slides/slide33.xml><?xml version="1.0" encoding="utf-8"?>
 <p:sld xmlns:a="http://schemas.openxmlformats.org/drawingml/2006/main" xmlns:r="http://schemas.openxmlformats.org/officeDocument/2006/relationships" xmlns:p="http://schemas.openxmlformats.org/presentationml/2006/main">
   <p:cSld>
     <p:spTree>
@@ -29953,7 +30223,7 @@
 </p:sld>
 </file>
 
-<file path=ppt/slides/slide33.xml><?xml version="1.0" encoding="utf-8"?>
+<file path=ppt/slides/slide34.xml><?xml version="1.0" encoding="utf-8"?>
 <p:sld xmlns:a="http://schemas.openxmlformats.org/drawingml/2006/main" xmlns:r="http://schemas.openxmlformats.org/officeDocument/2006/relationships" xmlns:p="http://schemas.openxmlformats.org/presentationml/2006/main">
   <p:cSld>
     <p:spTree>
@@ -29972,10 +30242,10 @@
       </p:grpSpPr>
       <p:sp>
         <p:nvSpPr>
-          <p:cNvPr id="4" name="标题 3">
+          <p:cNvPr id="2" name="标题 1">
             <a:extLst>
               <a:ext uri="{FF2B5EF4-FFF2-40B4-BE49-F238E27FC236}">
-                <a16:creationId xmlns:a16="http://schemas.microsoft.com/office/drawing/2014/main" id="{545B6B34-88F3-45B2-A2F9-991174E50CCE}"/>
+                <a16:creationId xmlns:a16="http://schemas.microsoft.com/office/drawing/2014/main" id="{264B5347-BAF4-4FCC-ACC8-FACCC4F98840}"/>
               </a:ext>
             </a:extLst>
           </p:cNvPr>
@@ -29988,27 +30258,1733 @@
         </p:nvSpPr>
         <p:spPr>
           <a:xfrm>
-            <a:off x="1030286" y="3031134"/>
-            <a:ext cx="10131427" cy="795732"/>
+            <a:off x="685801" y="609600"/>
+            <a:ext cx="10561319" cy="1456267"/>
           </a:xfrm>
         </p:spPr>
         <p:txBody>
           <a:bodyPr/>
           <a:lstStyle/>
           <a:p>
-            <a:pPr algn="ctr"/>
-            <a:r>
-              <a:rPr lang="en-US" altLang="zh-CN" cap="none" dirty="0"/>
-              <a:t>Questions?</a:t>
-            </a:r>
-            <a:endParaRPr lang="zh-CN" altLang="en-US" cap="none" dirty="0"/>
+            <a:r>
+              <a:rPr lang="en-US" altLang="zh-CN" dirty="0"/>
+              <a:t>Another topic: About test data</a:t>
+            </a:r>
+            <a:endParaRPr lang="zh-CN" altLang="en-US" dirty="0"/>
+          </a:p>
+        </p:txBody>
+      </p:sp>
+      <p:graphicFrame>
+        <p:nvGraphicFramePr>
+          <p:cNvPr id="4" name="内容占位符 3">
+            <a:extLst>
+              <a:ext uri="{FF2B5EF4-FFF2-40B4-BE49-F238E27FC236}">
+                <a16:creationId xmlns:a16="http://schemas.microsoft.com/office/drawing/2014/main" id="{CD07C5E4-A4A6-4684-8004-8F47598C7665}"/>
+              </a:ext>
+            </a:extLst>
+          </p:cNvPr>
+          <p:cNvGraphicFramePr>
+            <a:graphicFrameLocks noGrp="1"/>
+          </p:cNvGraphicFramePr>
+          <p:nvPr>
+            <p:ph idx="1"/>
+            <p:extLst>
+              <p:ext uri="{D42A27DB-BD31-4B8C-83A1-F6EECF244321}">
+                <p14:modId xmlns:p14="http://schemas.microsoft.com/office/powerpoint/2010/main" val="109097295"/>
+              </p:ext>
+            </p:extLst>
+          </p:nvPr>
+        </p:nvGraphicFramePr>
+        <p:xfrm>
+          <a:off x="284986" y="2176056"/>
+          <a:ext cx="11622027" cy="3316883"/>
+        </p:xfrm>
+        <a:graphic>
+          <a:graphicData uri="http://schemas.openxmlformats.org/drawingml/2006/table">
+            <a:tbl>
+              <a:tblPr>
+                <a:tableStyleId>{5940675A-B579-460E-94D1-54222C63F5DA}</a:tableStyleId>
+              </a:tblPr>
+              <a:tblGrid>
+                <a:gridCol w="875448">
+                  <a:extLst>
+                    <a:ext uri="{9D8B030D-6E8A-4147-A177-3AD203B41FA5}">
+                      <a16:colId xmlns:a16="http://schemas.microsoft.com/office/drawing/2014/main" val="2870614868"/>
+                    </a:ext>
+                  </a:extLst>
+                </a:gridCol>
+                <a:gridCol w="886029">
+                  <a:extLst>
+                    <a:ext uri="{9D8B030D-6E8A-4147-A177-3AD203B41FA5}">
+                      <a16:colId xmlns:a16="http://schemas.microsoft.com/office/drawing/2014/main" val="439512979"/>
+                    </a:ext>
+                  </a:extLst>
+                </a:gridCol>
+                <a:gridCol w="986055">
+                  <a:extLst>
+                    <a:ext uri="{9D8B030D-6E8A-4147-A177-3AD203B41FA5}">
+                      <a16:colId xmlns:a16="http://schemas.microsoft.com/office/drawing/2014/main" val="2999619844"/>
+                    </a:ext>
+                  </a:extLst>
+                </a:gridCol>
+                <a:gridCol w="986055">
+                  <a:extLst>
+                    <a:ext uri="{9D8B030D-6E8A-4147-A177-3AD203B41FA5}">
+                      <a16:colId xmlns:a16="http://schemas.microsoft.com/office/drawing/2014/main" val="3523883393"/>
+                    </a:ext>
+                  </a:extLst>
+                </a:gridCol>
+                <a:gridCol w="986055">
+                  <a:extLst>
+                    <a:ext uri="{9D8B030D-6E8A-4147-A177-3AD203B41FA5}">
+                      <a16:colId xmlns:a16="http://schemas.microsoft.com/office/drawing/2014/main" val="633028930"/>
+                    </a:ext>
+                  </a:extLst>
+                </a:gridCol>
+                <a:gridCol w="986055">
+                  <a:extLst>
+                    <a:ext uri="{9D8B030D-6E8A-4147-A177-3AD203B41FA5}">
+                      <a16:colId xmlns:a16="http://schemas.microsoft.com/office/drawing/2014/main" val="4058678528"/>
+                    </a:ext>
+                  </a:extLst>
+                </a:gridCol>
+                <a:gridCol w="1051719">
+                  <a:extLst>
+                    <a:ext uri="{9D8B030D-6E8A-4147-A177-3AD203B41FA5}">
+                      <a16:colId xmlns:a16="http://schemas.microsoft.com/office/drawing/2014/main" val="898656444"/>
+                    </a:ext>
+                  </a:extLst>
+                </a:gridCol>
+                <a:gridCol w="1042416">
+                  <a:extLst>
+                    <a:ext uri="{9D8B030D-6E8A-4147-A177-3AD203B41FA5}">
+                      <a16:colId xmlns:a16="http://schemas.microsoft.com/office/drawing/2014/main" val="2591340784"/>
+                    </a:ext>
+                  </a:extLst>
+                </a:gridCol>
+                <a:gridCol w="864030">
+                  <a:extLst>
+                    <a:ext uri="{9D8B030D-6E8A-4147-A177-3AD203B41FA5}">
+                      <a16:colId xmlns:a16="http://schemas.microsoft.com/office/drawing/2014/main" val="2527328892"/>
+                    </a:ext>
+                  </a:extLst>
+                </a:gridCol>
+                <a:gridCol w="986055">
+                  <a:extLst>
+                    <a:ext uri="{9D8B030D-6E8A-4147-A177-3AD203B41FA5}">
+                      <a16:colId xmlns:a16="http://schemas.microsoft.com/office/drawing/2014/main" val="2898676372"/>
+                    </a:ext>
+                  </a:extLst>
+                </a:gridCol>
+                <a:gridCol w="920547">
+                  <a:extLst>
+                    <a:ext uri="{9D8B030D-6E8A-4147-A177-3AD203B41FA5}">
+                      <a16:colId xmlns:a16="http://schemas.microsoft.com/office/drawing/2014/main" val="2585268319"/>
+                    </a:ext>
+                  </a:extLst>
+                </a:gridCol>
+                <a:gridCol w="1051563">
+                  <a:extLst>
+                    <a:ext uri="{9D8B030D-6E8A-4147-A177-3AD203B41FA5}">
+                      <a16:colId xmlns:a16="http://schemas.microsoft.com/office/drawing/2014/main" val="1773415130"/>
+                    </a:ext>
+                  </a:extLst>
+                </a:gridCol>
+              </a:tblGrid>
+              <a:tr h="809489">
+                <a:tc>
+                  <a:txBody>
+                    <a:bodyPr/>
+                    <a:lstStyle/>
+                    <a:p>
+                      <a:pPr algn="ctr"/>
+                      <a:r>
+                        <a:rPr lang="en-US" sz="1500"/>
+                        <a:t>Who</a:t>
+                      </a:r>
+                    </a:p>
+                  </a:txBody>
+                  <a:tcPr marL="74483" marR="74483" marT="37241" marB="37241" anchor="ctr"/>
+                </a:tc>
+                <a:tc>
+                  <a:txBody>
+                    <a:bodyPr/>
+                    <a:lstStyle/>
+                    <a:p>
+                      <a:pPr algn="ctr"/>
+                      <a:r>
+                        <a:rPr lang="en-US" sz="1500" dirty="0"/>
+                        <a:t>Score</a:t>
+                      </a:r>
+                    </a:p>
+                  </a:txBody>
+                  <a:tcPr marL="74483" marR="74483" marT="37241" marB="37241" anchor="ctr"/>
+                </a:tc>
+                <a:tc>
+                  <a:txBody>
+                    <a:bodyPr/>
+                    <a:lstStyle/>
+                    <a:p>
+                      <a:pPr algn="ctr"/>
+                      <a:r>
+                        <a:rPr lang="en-US" sz="900" dirty="0" err="1"/>
+                        <a:t>binary_tree</a:t>
+                      </a:r>
+                      <a:endParaRPr lang="en-US" sz="900" dirty="0"/>
+                    </a:p>
+                  </a:txBody>
+                  <a:tcPr marL="74483" marR="74483" marT="37241" marB="37241" anchor="ctr"/>
+                </a:tc>
+                <a:tc>
+                  <a:txBody>
+                    <a:bodyPr/>
+                    <a:lstStyle/>
+                    <a:p>
+                      <a:pPr algn="ctr"/>
+                      <a:r>
+                        <a:rPr lang="en-US" sz="1200" dirty="0" err="1">
+                          <a:solidFill>
+                            <a:schemeClr val="accent6">
+                              <a:lumMod val="20000"/>
+                              <a:lumOff val="80000"/>
+                            </a:schemeClr>
+                          </a:solidFill>
+                        </a:rPr>
+                        <a:t>dijkstra</a:t>
+                      </a:r>
+                      <a:endParaRPr lang="en-US" sz="1200" dirty="0">
+                        <a:solidFill>
+                          <a:schemeClr val="accent6">
+                            <a:lumMod val="20000"/>
+                            <a:lumOff val="80000"/>
+                          </a:schemeClr>
+                        </a:solidFill>
+                      </a:endParaRPr>
+                    </a:p>
+                  </a:txBody>
+                  <a:tcPr marL="74483" marR="74483" marT="37241" marB="37241" anchor="ctr"/>
+                </a:tc>
+                <a:tc>
+                  <a:txBody>
+                    <a:bodyPr/>
+                    <a:lstStyle/>
+                    <a:p>
+                      <a:pPr algn="ctr"/>
+                      <a:r>
+                        <a:rPr lang="en-US" sz="1200" dirty="0"/>
+                        <a:t>humble</a:t>
+                      </a:r>
+                    </a:p>
+                  </a:txBody>
+                  <a:tcPr marL="74483" marR="74483" marT="37241" marB="37241" anchor="ctr"/>
+                </a:tc>
+                <a:tc>
+                  <a:txBody>
+                    <a:bodyPr/>
+                    <a:lstStyle/>
+                    <a:p>
+                      <a:pPr algn="ctr"/>
+                      <a:r>
+                        <a:rPr lang="en-US" sz="1200" dirty="0" err="1">
+                          <a:solidFill>
+                            <a:schemeClr val="accent6">
+                              <a:lumMod val="20000"/>
+                              <a:lumOff val="80000"/>
+                            </a:schemeClr>
+                          </a:solidFill>
+                        </a:rPr>
+                        <a:t>kruskal</a:t>
+                      </a:r>
+                      <a:endParaRPr lang="en-US" sz="1200" dirty="0">
+                        <a:solidFill>
+                          <a:schemeClr val="accent6">
+                            <a:lumMod val="20000"/>
+                            <a:lumOff val="80000"/>
+                          </a:schemeClr>
+                        </a:solidFill>
+                      </a:endParaRPr>
+                    </a:p>
+                  </a:txBody>
+                  <a:tcPr marL="74483" marR="74483" marT="37241" marB="37241" anchor="ctr"/>
+                </a:tc>
+                <a:tc>
+                  <a:txBody>
+                    <a:bodyPr/>
+                    <a:lstStyle/>
+                    <a:p>
+                      <a:pPr algn="ctr"/>
+                      <a:r>
+                        <a:rPr lang="en-US" sz="1200" dirty="0" err="1">
+                          <a:solidFill>
+                            <a:srgbClr val="FF0000"/>
+                          </a:solidFill>
+                        </a:rPr>
+                        <a:t>lca</a:t>
+                      </a:r>
+                      <a:endParaRPr lang="en-US" sz="1200" dirty="0">
+                        <a:solidFill>
+                          <a:srgbClr val="FF0000"/>
+                        </a:solidFill>
+                      </a:endParaRPr>
+                    </a:p>
+                  </a:txBody>
+                  <a:tcPr marL="74483" marR="74483" marT="37241" marB="37241" anchor="ctr"/>
+                </a:tc>
+                <a:tc>
+                  <a:txBody>
+                    <a:bodyPr/>
+                    <a:lstStyle/>
+                    <a:p>
+                      <a:pPr algn="ctr"/>
+                      <a:r>
+                        <a:rPr lang="en-US" sz="1200" dirty="0">
+                          <a:solidFill>
+                            <a:srgbClr val="FF0000"/>
+                          </a:solidFill>
+                        </a:rPr>
+                        <a:t>lunatic</a:t>
+                      </a:r>
+                    </a:p>
+                  </a:txBody>
+                  <a:tcPr marL="74483" marR="74483" marT="37241" marB="37241" anchor="ctr"/>
+                </a:tc>
+                <a:tc>
+                  <a:txBody>
+                    <a:bodyPr/>
+                    <a:lstStyle/>
+                    <a:p>
+                      <a:pPr algn="ctr"/>
+                      <a:r>
+                        <a:rPr lang="en-US" sz="1200" dirty="0">
+                          <a:solidFill>
+                            <a:srgbClr val="FF0000"/>
+                          </a:solidFill>
+                        </a:rPr>
+                        <a:t>maxflow</a:t>
+                      </a:r>
+                    </a:p>
+                  </a:txBody>
+                  <a:tcPr marL="74483" marR="74483" marT="37241" marB="37241" anchor="ctr"/>
+                </a:tc>
+                <a:tc>
+                  <a:txBody>
+                    <a:bodyPr/>
+                    <a:lstStyle/>
+                    <a:p>
+                      <a:pPr algn="ctr"/>
+                      <a:r>
+                        <a:rPr lang="en-US" sz="1200" dirty="0"/>
+                        <a:t>pi</a:t>
+                      </a:r>
+                    </a:p>
+                  </a:txBody>
+                  <a:tcPr marL="74483" marR="74483" marT="37241" marB="37241" anchor="ctr"/>
+                </a:tc>
+                <a:tc>
+                  <a:txBody>
+                    <a:bodyPr/>
+                    <a:lstStyle/>
+                    <a:p>
+                      <a:pPr algn="ctr"/>
+                      <a:r>
+                        <a:rPr lang="en-US" sz="1200" dirty="0" err="1">
+                          <a:solidFill>
+                            <a:schemeClr val="accent6">
+                              <a:lumMod val="20000"/>
+                              <a:lumOff val="80000"/>
+                            </a:schemeClr>
+                          </a:solidFill>
+                        </a:rPr>
+                        <a:t>segtree</a:t>
+                      </a:r>
+                      <a:endParaRPr lang="en-US" sz="1200" dirty="0">
+                        <a:solidFill>
+                          <a:schemeClr val="accent6">
+                            <a:lumMod val="20000"/>
+                            <a:lumOff val="80000"/>
+                          </a:schemeClr>
+                        </a:solidFill>
+                      </a:endParaRPr>
+                    </a:p>
+                  </a:txBody>
+                  <a:tcPr marL="74483" marR="74483" marT="37241" marB="37241" anchor="ctr"/>
+                </a:tc>
+                <a:tc>
+                  <a:txBody>
+                    <a:bodyPr/>
+                    <a:lstStyle/>
+                    <a:p>
+                      <a:pPr algn="ctr"/>
+                      <a:r>
+                        <a:rPr lang="en-US" sz="1200" dirty="0"/>
+                        <a:t>sha_1</a:t>
+                      </a:r>
+                    </a:p>
+                  </a:txBody>
+                  <a:tcPr marL="74483" marR="74483" marT="37241" marB="37241" anchor="ctr"/>
+                </a:tc>
+                <a:extLst>
+                  <a:ext uri="{0D108BD9-81ED-4DB2-BD59-A6C34878D82A}">
+                    <a16:rowId xmlns:a16="http://schemas.microsoft.com/office/drawing/2014/main" val="1277477138"/>
+                  </a:ext>
+                </a:extLst>
+              </a:tr>
+              <a:tr h="525751">
+                <a:tc>
+                  <a:txBody>
+                    <a:bodyPr/>
+                    <a:lstStyle/>
+                    <a:p>
+                      <a:pPr algn="ctr"/>
+                      <a:r>
+                        <a:rPr lang="en-US" sz="1100" dirty="0"/>
+                        <a:t>fstqwq </a:t>
+                      </a:r>
+                    </a:p>
+                  </a:txBody>
+                  <a:tcPr marL="74483" marR="74483" marT="37241" marB="37241" anchor="ctr"/>
+                </a:tc>
+                <a:tc>
+                  <a:txBody>
+                    <a:bodyPr/>
+                    <a:lstStyle/>
+                    <a:p>
+                      <a:pPr algn="ctr"/>
+                      <a:r>
+                        <a:rPr lang="en-US" altLang="zh-CN" sz="1500" dirty="0"/>
+                        <a:t>47.19 </a:t>
+                      </a:r>
+                    </a:p>
+                  </a:txBody>
+                  <a:tcPr marL="74483" marR="74483" marT="37241" marB="37241" anchor="ctr"/>
+                </a:tc>
+                <a:tc>
+                  <a:txBody>
+                    <a:bodyPr/>
+                    <a:lstStyle/>
+                    <a:p>
+                      <a:pPr algn="ctr"/>
+                      <a:r>
+                        <a:rPr lang="en-US" altLang="zh-CN" sz="1100" dirty="0"/>
+                        <a:t>228247995</a:t>
+                      </a:r>
+                    </a:p>
+                    <a:p>
+                      <a:pPr algn="ctr"/>
+                      <a:r>
+                        <a:rPr lang="en-US" altLang="zh-CN" sz="1100" dirty="0"/>
+                        <a:t>5.00 </a:t>
+                      </a:r>
+                    </a:p>
+                  </a:txBody>
+                  <a:tcPr marL="74483" marR="74483" marT="37241" marB="37241" anchor="ctr"/>
+                </a:tc>
+                <a:tc>
+                  <a:txBody>
+                    <a:bodyPr/>
+                    <a:lstStyle/>
+                    <a:p>
+                      <a:pPr algn="ctr"/>
+                      <a:r>
+                        <a:rPr lang="en-US" altLang="zh-CN" sz="1100" dirty="0"/>
+                        <a:t>133977086</a:t>
+                      </a:r>
+                    </a:p>
+                    <a:p>
+                      <a:pPr algn="ctr"/>
+                      <a:r>
+                        <a:rPr lang="en-US" altLang="zh-CN" sz="1100" dirty="0"/>
+                        <a:t>5.00 </a:t>
+                      </a:r>
+                    </a:p>
+                  </a:txBody>
+                  <a:tcPr marL="74483" marR="74483" marT="37241" marB="37241" anchor="ctr"/>
+                </a:tc>
+                <a:tc>
+                  <a:txBody>
+                    <a:bodyPr/>
+                    <a:lstStyle/>
+                    <a:p>
+                      <a:pPr algn="ctr"/>
+                      <a:r>
+                        <a:rPr lang="en-US" altLang="zh-CN" sz="1100" dirty="0"/>
+                        <a:t>958167187</a:t>
+                      </a:r>
+                    </a:p>
+                    <a:p>
+                      <a:pPr algn="ctr"/>
+                      <a:r>
+                        <a:rPr lang="en-US" altLang="zh-CN" sz="1100" dirty="0"/>
+                        <a:t>3.46 </a:t>
+                      </a:r>
+                    </a:p>
+                  </a:txBody>
+                  <a:tcPr marL="74483" marR="74483" marT="37241" marB="37241" anchor="ctr"/>
+                </a:tc>
+                <a:tc>
+                  <a:txBody>
+                    <a:bodyPr/>
+                    <a:lstStyle/>
+                    <a:p>
+                      <a:pPr algn="ctr"/>
+                      <a:r>
+                        <a:rPr lang="en-US" altLang="zh-CN" sz="1100" dirty="0"/>
+                        <a:t>142045029</a:t>
+                      </a:r>
+                    </a:p>
+                    <a:p>
+                      <a:pPr algn="ctr"/>
+                      <a:r>
+                        <a:rPr lang="en-US" altLang="zh-CN" sz="1100" dirty="0"/>
+                        <a:t>4.09 </a:t>
+                      </a:r>
+                    </a:p>
+                  </a:txBody>
+                  <a:tcPr marL="74483" marR="74483" marT="37241" marB="37241" anchor="ctr"/>
+                </a:tc>
+                <a:tc>
+                  <a:txBody>
+                    <a:bodyPr/>
+                    <a:lstStyle/>
+                    <a:p>
+                      <a:pPr algn="ctr"/>
+                      <a:r>
+                        <a:rPr lang="en-US" altLang="zh-CN" sz="1100" dirty="0"/>
+                        <a:t>73738410</a:t>
+                      </a:r>
+                    </a:p>
+                    <a:p>
+                      <a:pPr algn="ctr"/>
+                      <a:r>
+                        <a:rPr lang="en-US" altLang="zh-CN" sz="1100" dirty="0"/>
+                        <a:t>5.00 </a:t>
+                      </a:r>
+                    </a:p>
+                  </a:txBody>
+                  <a:tcPr marL="74483" marR="74483" marT="37241" marB="37241" anchor="ctr"/>
+                </a:tc>
+                <a:tc>
+                  <a:txBody>
+                    <a:bodyPr/>
+                    <a:lstStyle/>
+                    <a:p>
+                      <a:pPr algn="ctr"/>
+                      <a:r>
+                        <a:rPr lang="en-US" altLang="zh-CN" sz="1100" dirty="0"/>
+                        <a:t>1975335735</a:t>
+                      </a:r>
+                    </a:p>
+                    <a:p>
+                      <a:pPr algn="ctr"/>
+                      <a:r>
+                        <a:rPr lang="en-US" altLang="zh-CN" sz="1100" dirty="0"/>
+                        <a:t>5.00 </a:t>
+                      </a:r>
+                    </a:p>
+                  </a:txBody>
+                  <a:tcPr marL="74483" marR="74483" marT="37241" marB="37241" anchor="ctr"/>
+                </a:tc>
+                <a:tc>
+                  <a:txBody>
+                    <a:bodyPr/>
+                    <a:lstStyle/>
+                    <a:p>
+                      <a:pPr algn="ctr"/>
+                      <a:r>
+                        <a:rPr lang="en-US" altLang="zh-CN" sz="1100" dirty="0">
+                          <a:solidFill>
+                            <a:schemeClr val="tx1"/>
+                          </a:solidFill>
+                        </a:rPr>
+                        <a:t>18876095</a:t>
+                      </a:r>
+                    </a:p>
+                    <a:p>
+                      <a:pPr algn="ctr"/>
+                      <a:r>
+                        <a:rPr lang="en-US" altLang="zh-CN" sz="1100" dirty="0">
+                          <a:solidFill>
+                            <a:schemeClr val="tx1"/>
+                          </a:solidFill>
+                        </a:rPr>
+                        <a:t>5.00 </a:t>
+                      </a:r>
+                    </a:p>
+                  </a:txBody>
+                  <a:tcPr marL="74483" marR="74483" marT="37241" marB="37241" anchor="ctr"/>
+                </a:tc>
+                <a:tc>
+                  <a:txBody>
+                    <a:bodyPr/>
+                    <a:lstStyle/>
+                    <a:p>
+                      <a:pPr algn="ctr"/>
+                      <a:r>
+                        <a:rPr lang="en-US" altLang="zh-CN" sz="1100" dirty="0"/>
+                        <a:t>31263252</a:t>
+                      </a:r>
+                    </a:p>
+                    <a:p>
+                      <a:pPr algn="ctr"/>
+                      <a:r>
+                        <a:rPr lang="en-US" altLang="zh-CN" sz="1100" dirty="0"/>
+                        <a:t>3.83 </a:t>
+                      </a:r>
+                    </a:p>
+                  </a:txBody>
+                  <a:tcPr marL="74483" marR="74483" marT="37241" marB="37241" anchor="ctr"/>
+                </a:tc>
+                <a:tc>
+                  <a:txBody>
+                    <a:bodyPr/>
+                    <a:lstStyle/>
+                    <a:p>
+                      <a:pPr algn="ctr"/>
+                      <a:r>
+                        <a:rPr lang="en-US" altLang="zh-CN" sz="1100" dirty="0"/>
+                        <a:t>879768484</a:t>
+                      </a:r>
+                    </a:p>
+                    <a:p>
+                      <a:pPr algn="ctr"/>
+                      <a:r>
+                        <a:rPr lang="en-US" altLang="zh-CN" sz="1100" dirty="0"/>
+                        <a:t>4.83 </a:t>
+                      </a:r>
+                    </a:p>
+                  </a:txBody>
+                  <a:tcPr marL="74483" marR="74483" marT="37241" marB="37241" anchor="ctr"/>
+                </a:tc>
+                <a:tc>
+                  <a:txBody>
+                    <a:bodyPr/>
+                    <a:lstStyle/>
+                    <a:p>
+                      <a:pPr algn="ctr"/>
+                      <a:r>
+                        <a:rPr lang="en-US" altLang="zh-CN" sz="1100" dirty="0"/>
+                        <a:t>1107696475</a:t>
+                      </a:r>
+                    </a:p>
+                    <a:p>
+                      <a:pPr algn="ctr"/>
+                      <a:r>
+                        <a:rPr lang="en-US" altLang="zh-CN" sz="1100" dirty="0"/>
+                        <a:t>5.00 </a:t>
+                      </a:r>
+                    </a:p>
+                  </a:txBody>
+                  <a:tcPr marL="74483" marR="74483" marT="37241" marB="37241" anchor="ctr"/>
+                </a:tc>
+                <a:extLst>
+                  <a:ext uri="{0D108BD9-81ED-4DB2-BD59-A6C34878D82A}">
+                    <a16:rowId xmlns:a16="http://schemas.microsoft.com/office/drawing/2014/main" val="2313045819"/>
+                  </a:ext>
+                </a:extLst>
+              </a:tr>
+              <a:tr h="488752">
+                <a:tc>
+                  <a:txBody>
+                    <a:bodyPr/>
+                    <a:lstStyle/>
+                    <a:p>
+                      <a:pPr algn="ctr"/>
+                      <a:r>
+                        <a:rPr lang="en-US" sz="1100"/>
+                        <a:t>ZYHowell </a:t>
+                      </a:r>
+                    </a:p>
+                  </a:txBody>
+                  <a:tcPr marL="74483" marR="74483" marT="37241" marB="37241" anchor="ctr"/>
+                </a:tc>
+                <a:tc>
+                  <a:txBody>
+                    <a:bodyPr/>
+                    <a:lstStyle/>
+                    <a:p>
+                      <a:pPr algn="ctr"/>
+                      <a:r>
+                        <a:rPr lang="en-US" altLang="zh-CN" sz="1500" dirty="0"/>
+                        <a:t>45.55 </a:t>
+                      </a:r>
+                    </a:p>
+                  </a:txBody>
+                  <a:tcPr marL="74483" marR="74483" marT="37241" marB="37241" anchor="ctr"/>
+                </a:tc>
+                <a:tc>
+                  <a:txBody>
+                    <a:bodyPr/>
+                    <a:lstStyle/>
+                    <a:p>
+                      <a:pPr algn="ctr"/>
+                      <a:r>
+                        <a:rPr lang="en-US" altLang="zh-CN" sz="1100" dirty="0"/>
+                        <a:t>565935084</a:t>
+                      </a:r>
+                    </a:p>
+                    <a:p>
+                      <a:pPr algn="ctr"/>
+                      <a:r>
+                        <a:rPr lang="en-US" altLang="zh-CN" sz="1100" dirty="0"/>
+                        <a:t>5.00 </a:t>
+                      </a:r>
+                    </a:p>
+                  </a:txBody>
+                  <a:tcPr marL="74483" marR="74483" marT="37241" marB="37241" anchor="ctr"/>
+                </a:tc>
+                <a:tc>
+                  <a:txBody>
+                    <a:bodyPr/>
+                    <a:lstStyle/>
+                    <a:p>
+                      <a:pPr algn="ctr"/>
+                      <a:r>
+                        <a:rPr lang="en-US" altLang="zh-CN" sz="1100" dirty="0"/>
+                        <a:t>128658416</a:t>
+                      </a:r>
+                    </a:p>
+                    <a:p>
+                      <a:pPr algn="ctr"/>
+                      <a:r>
+                        <a:rPr lang="en-US" altLang="zh-CN" sz="1100" dirty="0"/>
+                        <a:t>5.00 </a:t>
+                      </a:r>
+                    </a:p>
+                  </a:txBody>
+                  <a:tcPr marL="74483" marR="74483" marT="37241" marB="37241" anchor="ctr"/>
+                </a:tc>
+                <a:tc>
+                  <a:txBody>
+                    <a:bodyPr/>
+                    <a:lstStyle/>
+                    <a:p>
+                      <a:pPr algn="ctr"/>
+                      <a:r>
+                        <a:rPr lang="en-US" altLang="zh-CN" sz="1100" dirty="0"/>
+                        <a:t>921352578</a:t>
+                      </a:r>
+                    </a:p>
+                    <a:p>
+                      <a:pPr algn="ctr"/>
+                      <a:r>
+                        <a:rPr lang="en-US" altLang="zh-CN" sz="1100" dirty="0"/>
+                        <a:t>3.71 </a:t>
+                      </a:r>
+                    </a:p>
+                  </a:txBody>
+                  <a:tcPr marL="74483" marR="74483" marT="37241" marB="37241" anchor="ctr"/>
+                </a:tc>
+                <a:tc>
+                  <a:txBody>
+                    <a:bodyPr/>
+                    <a:lstStyle/>
+                    <a:p>
+                      <a:pPr algn="ctr"/>
+                      <a:r>
+                        <a:rPr lang="en-US" altLang="zh-CN" sz="1100" dirty="0"/>
+                        <a:t>140150369</a:t>
+                      </a:r>
+                    </a:p>
+                    <a:p>
+                      <a:pPr algn="ctr"/>
+                      <a:r>
+                        <a:rPr lang="en-US" altLang="zh-CN" sz="1100" dirty="0"/>
+                        <a:t>4.17 </a:t>
+                      </a:r>
+                    </a:p>
+                  </a:txBody>
+                  <a:tcPr marL="74483" marR="74483" marT="37241" marB="37241" anchor="ctr"/>
+                </a:tc>
+                <a:tc>
+                  <a:txBody>
+                    <a:bodyPr/>
+                    <a:lstStyle/>
+                    <a:p>
+                      <a:pPr algn="ctr"/>
+                      <a:r>
+                        <a:rPr lang="en-US" altLang="zh-CN" sz="1100" dirty="0"/>
+                        <a:t>87082128</a:t>
+                      </a:r>
+                    </a:p>
+                    <a:p>
+                      <a:pPr algn="ctr"/>
+                      <a:r>
+                        <a:rPr lang="en-US" altLang="zh-CN" sz="1100" dirty="0"/>
+                        <a:t>4.63 </a:t>
+                      </a:r>
+                    </a:p>
+                  </a:txBody>
+                  <a:tcPr marL="74483" marR="74483" marT="37241" marB="37241" anchor="ctr"/>
+                </a:tc>
+                <a:tc>
+                  <a:txBody>
+                    <a:bodyPr/>
+                    <a:lstStyle/>
+                    <a:p>
+                      <a:pPr algn="ctr"/>
+                      <a:r>
+                        <a:rPr lang="en-US" altLang="zh-CN" sz="1100" dirty="0"/>
+                        <a:t>2316786501</a:t>
+                      </a:r>
+                    </a:p>
+                    <a:p>
+                      <a:pPr algn="ctr"/>
+                      <a:r>
+                        <a:rPr lang="en-US" altLang="zh-CN" sz="1100" dirty="0"/>
+                        <a:t>4.34 </a:t>
+                      </a:r>
+                    </a:p>
+                  </a:txBody>
+                  <a:tcPr marL="74483" marR="74483" marT="37241" marB="37241" anchor="ctr"/>
+                </a:tc>
+                <a:tc>
+                  <a:txBody>
+                    <a:bodyPr/>
+                    <a:lstStyle/>
+                    <a:p>
+                      <a:pPr algn="ctr"/>
+                      <a:r>
+                        <a:rPr lang="en-US" altLang="zh-CN" sz="1100" dirty="0">
+                          <a:solidFill>
+                            <a:schemeClr val="tx1"/>
+                          </a:solidFill>
+                        </a:rPr>
+                        <a:t>17404710</a:t>
+                      </a:r>
+                    </a:p>
+                    <a:p>
+                      <a:pPr algn="ctr"/>
+                      <a:r>
+                        <a:rPr lang="en-US" altLang="zh-CN" sz="1100" dirty="0">
+                          <a:solidFill>
+                            <a:schemeClr val="tx1"/>
+                          </a:solidFill>
+                        </a:rPr>
+                        <a:t>5.00 </a:t>
+                      </a:r>
+                    </a:p>
+                  </a:txBody>
+                  <a:tcPr marL="74483" marR="74483" marT="37241" marB="37241" anchor="ctr"/>
+                </a:tc>
+                <a:tc>
+                  <a:txBody>
+                    <a:bodyPr/>
+                    <a:lstStyle/>
+                    <a:p>
+                      <a:pPr algn="ctr"/>
+                      <a:r>
+                        <a:rPr lang="en-US" altLang="zh-CN" sz="1100" dirty="0"/>
+                        <a:t>31836329</a:t>
+                      </a:r>
+                    </a:p>
+                    <a:p>
+                      <a:pPr algn="ctr"/>
+                      <a:r>
+                        <a:rPr lang="en-US" altLang="zh-CN" sz="1100" dirty="0"/>
+                        <a:t>3.72 </a:t>
+                      </a:r>
+                    </a:p>
+                  </a:txBody>
+                  <a:tcPr marL="74483" marR="74483" marT="37241" marB="37241" anchor="ctr"/>
+                </a:tc>
+                <a:tc>
+                  <a:txBody>
+                    <a:bodyPr/>
+                    <a:lstStyle/>
+                    <a:p>
+                      <a:pPr algn="ctr"/>
+                      <a:r>
+                        <a:rPr lang="en-US" altLang="zh-CN" sz="1100" dirty="0"/>
+                        <a:t>922770159</a:t>
+                      </a:r>
+                    </a:p>
+                    <a:p>
+                      <a:pPr algn="ctr"/>
+                      <a:r>
+                        <a:rPr lang="en-US" altLang="zh-CN" sz="1100" dirty="0"/>
+                        <a:t>4.58 </a:t>
+                      </a:r>
+                    </a:p>
+                  </a:txBody>
+                  <a:tcPr marL="74483" marR="74483" marT="37241" marB="37241" anchor="ctr"/>
+                </a:tc>
+                <a:tc>
+                  <a:txBody>
+                    <a:bodyPr/>
+                    <a:lstStyle/>
+                    <a:p>
+                      <a:pPr algn="ctr"/>
+                      <a:r>
+                        <a:rPr lang="en-US" altLang="zh-CN" sz="1100" dirty="0"/>
+                        <a:t>1075575585</a:t>
+                      </a:r>
+                    </a:p>
+                    <a:p>
+                      <a:pPr algn="ctr"/>
+                      <a:r>
+                        <a:rPr lang="en-US" altLang="zh-CN" sz="1100" dirty="0"/>
+                        <a:t>5.00 </a:t>
+                      </a:r>
+                    </a:p>
+                  </a:txBody>
+                  <a:tcPr marL="74483" marR="74483" marT="37241" marB="37241" anchor="ctr"/>
+                </a:tc>
+                <a:extLst>
+                  <a:ext uri="{0D108BD9-81ED-4DB2-BD59-A6C34878D82A}">
+                    <a16:rowId xmlns:a16="http://schemas.microsoft.com/office/drawing/2014/main" val="2312316062"/>
+                  </a:ext>
+                </a:extLst>
+              </a:tr>
+              <a:tr h="440557">
+                <a:tc>
+                  <a:txBody>
+                    <a:bodyPr/>
+                    <a:lstStyle/>
+                    <a:p>
+                      <a:pPr algn="ctr"/>
+                      <a:r>
+                        <a:rPr lang="en-US" sz="1100" dirty="0" err="1"/>
+                        <a:t>gcc</a:t>
+                      </a:r>
+                      <a:r>
+                        <a:rPr lang="en-US" sz="1100" dirty="0"/>
+                        <a:t> O2 </a:t>
+                      </a:r>
+                    </a:p>
+                  </a:txBody>
+                  <a:tcPr marL="74483" marR="74483" marT="37241" marB="37241" anchor="ctr"/>
+                </a:tc>
+                <a:tc>
+                  <a:txBody>
+                    <a:bodyPr/>
+                    <a:lstStyle/>
+                    <a:p>
+                      <a:pPr algn="ctr"/>
+                      <a:r>
+                        <a:rPr lang="en-US" altLang="zh-CN" sz="1500" dirty="0"/>
+                        <a:t>45.53 </a:t>
+                      </a:r>
+                    </a:p>
+                  </a:txBody>
+                  <a:tcPr marL="74483" marR="74483" marT="37241" marB="37241" anchor="ctr"/>
+                </a:tc>
+                <a:tc>
+                  <a:txBody>
+                    <a:bodyPr/>
+                    <a:lstStyle/>
+                    <a:p>
+                      <a:pPr algn="ctr"/>
+                      <a:r>
+                        <a:rPr lang="en-US" altLang="zh-CN" sz="1100" dirty="0">
+                          <a:solidFill>
+                            <a:srgbClr val="FFFF00"/>
+                          </a:solidFill>
+                        </a:rPr>
+                        <a:t>189040961</a:t>
+                      </a:r>
+                    </a:p>
+                    <a:p>
+                      <a:pPr algn="ctr"/>
+                      <a:r>
+                        <a:rPr lang="en-US" altLang="zh-CN" sz="1100" dirty="0">
+                          <a:solidFill>
+                            <a:srgbClr val="FFFF00"/>
+                          </a:solidFill>
+                        </a:rPr>
+                        <a:t>5.00 </a:t>
+                      </a:r>
+                    </a:p>
+                  </a:txBody>
+                  <a:tcPr marL="74483" marR="74483" marT="37241" marB="37241" anchor="ctr"/>
+                </a:tc>
+                <a:tc>
+                  <a:txBody>
+                    <a:bodyPr/>
+                    <a:lstStyle/>
+                    <a:p>
+                      <a:pPr algn="ctr"/>
+                      <a:r>
+                        <a:rPr lang="en-US" altLang="zh-CN" sz="1100" dirty="0"/>
+                        <a:t>131855329</a:t>
+                      </a:r>
+                    </a:p>
+                    <a:p>
+                      <a:pPr algn="ctr"/>
+                      <a:r>
+                        <a:rPr lang="en-US" altLang="zh-CN" sz="1100" dirty="0"/>
+                        <a:t>5.00 </a:t>
+                      </a:r>
+                    </a:p>
+                  </a:txBody>
+                  <a:tcPr marL="74483" marR="74483" marT="37241" marB="37241" anchor="ctr"/>
+                </a:tc>
+                <a:tc>
+                  <a:txBody>
+                    <a:bodyPr/>
+                    <a:lstStyle/>
+                    <a:p>
+                      <a:pPr algn="ctr"/>
+                      <a:r>
+                        <a:rPr lang="en-US" altLang="zh-CN" sz="1100" dirty="0"/>
+                        <a:t>869017961</a:t>
+                      </a:r>
+                    </a:p>
+                    <a:p>
+                      <a:pPr algn="ctr"/>
+                      <a:r>
+                        <a:rPr lang="en-US" altLang="zh-CN" sz="1100" dirty="0"/>
+                        <a:t>4.07 </a:t>
+                      </a:r>
+                    </a:p>
+                  </a:txBody>
+                  <a:tcPr marL="74483" marR="74483" marT="37241" marB="37241" anchor="ctr"/>
+                </a:tc>
+                <a:tc>
+                  <a:txBody>
+                    <a:bodyPr/>
+                    <a:lstStyle/>
+                    <a:p>
+                      <a:pPr algn="ctr"/>
+                      <a:r>
+                        <a:rPr lang="en-US" altLang="zh-CN" sz="1100" dirty="0"/>
+                        <a:t>142665035</a:t>
+                      </a:r>
+                    </a:p>
+                    <a:p>
+                      <a:pPr algn="ctr"/>
+                      <a:r>
+                        <a:rPr lang="en-US" altLang="zh-CN" sz="1100" dirty="0"/>
+                        <a:t>4.06 </a:t>
+                      </a:r>
+                    </a:p>
+                  </a:txBody>
+                  <a:tcPr marL="74483" marR="74483" marT="37241" marB="37241" anchor="ctr"/>
+                </a:tc>
+                <a:tc>
+                  <a:txBody>
+                    <a:bodyPr/>
+                    <a:lstStyle/>
+                    <a:p>
+                      <a:pPr algn="ctr"/>
+                      <a:r>
+                        <a:rPr lang="en-US" altLang="zh-CN" sz="1100" dirty="0"/>
+                        <a:t>89633147</a:t>
+                      </a:r>
+                    </a:p>
+                    <a:p>
+                      <a:pPr algn="ctr"/>
+                      <a:r>
+                        <a:rPr lang="en-US" altLang="zh-CN" sz="1100" dirty="0"/>
+                        <a:t>4.48 </a:t>
+                      </a:r>
+                    </a:p>
+                  </a:txBody>
+                  <a:tcPr marL="74483" marR="74483" marT="37241" marB="37241" anchor="ctr"/>
+                </a:tc>
+                <a:tc>
+                  <a:txBody>
+                    <a:bodyPr/>
+                    <a:lstStyle/>
+                    <a:p>
+                      <a:pPr algn="ctr"/>
+                      <a:r>
+                        <a:rPr lang="en-US" altLang="zh-CN" sz="1100" dirty="0"/>
+                        <a:t>2104221466</a:t>
+                      </a:r>
+                    </a:p>
+                    <a:p>
+                      <a:pPr algn="ctr"/>
+                      <a:r>
+                        <a:rPr lang="en-US" altLang="zh-CN" sz="1100" dirty="0"/>
+                        <a:t>4.86 </a:t>
+                      </a:r>
+                    </a:p>
+                  </a:txBody>
+                  <a:tcPr marL="74483" marR="74483" marT="37241" marB="37241" anchor="ctr"/>
+                </a:tc>
+                <a:tc>
+                  <a:txBody>
+                    <a:bodyPr/>
+                    <a:lstStyle/>
+                    <a:p>
+                      <a:pPr algn="ctr"/>
+                      <a:r>
+                        <a:rPr lang="en-US" altLang="zh-CN" sz="1100" dirty="0">
+                          <a:solidFill>
+                            <a:schemeClr val="tx1"/>
+                          </a:solidFill>
+                        </a:rPr>
+                        <a:t>43094679</a:t>
+                      </a:r>
+                    </a:p>
+                    <a:p>
+                      <a:pPr algn="ctr"/>
+                      <a:r>
+                        <a:rPr lang="en-US" altLang="zh-CN" sz="1100" dirty="0">
+                          <a:solidFill>
+                            <a:schemeClr val="tx1"/>
+                          </a:solidFill>
+                        </a:rPr>
+                        <a:t>4.24 </a:t>
+                      </a:r>
+                    </a:p>
+                  </a:txBody>
+                  <a:tcPr marL="74483" marR="74483" marT="37241" marB="37241" anchor="ctr"/>
+                </a:tc>
+                <a:tc>
+                  <a:txBody>
+                    <a:bodyPr/>
+                    <a:lstStyle/>
+                    <a:p>
+                      <a:pPr algn="ctr"/>
+                      <a:r>
+                        <a:rPr lang="en-US" altLang="zh-CN" sz="1100" dirty="0"/>
+                        <a:t>30400478</a:t>
+                      </a:r>
+                    </a:p>
+                    <a:p>
+                      <a:pPr algn="ctr"/>
+                      <a:r>
+                        <a:rPr lang="en-US" altLang="zh-CN" sz="1100" dirty="0"/>
+                        <a:t>4.00 </a:t>
+                      </a:r>
+                    </a:p>
+                  </a:txBody>
+                  <a:tcPr marL="74483" marR="74483" marT="37241" marB="37241" anchor="ctr"/>
+                </a:tc>
+                <a:tc>
+                  <a:txBody>
+                    <a:bodyPr/>
+                    <a:lstStyle/>
+                    <a:p>
+                      <a:pPr algn="ctr"/>
+                      <a:r>
+                        <a:rPr lang="en-US" altLang="zh-CN" sz="1100" dirty="0"/>
+                        <a:t>901208380</a:t>
+                      </a:r>
+                    </a:p>
+                    <a:p>
+                      <a:pPr algn="ctr"/>
+                      <a:r>
+                        <a:rPr lang="en-US" altLang="zh-CN" sz="1100" dirty="0"/>
+                        <a:t>4.71 </a:t>
+                      </a:r>
+                    </a:p>
+                  </a:txBody>
+                  <a:tcPr marL="74483" marR="74483" marT="37241" marB="37241" anchor="ctr"/>
+                </a:tc>
+                <a:tc>
+                  <a:txBody>
+                    <a:bodyPr/>
+                    <a:lstStyle/>
+                    <a:p>
+                      <a:pPr algn="ctr"/>
+                      <a:r>
+                        <a:rPr lang="en-US" altLang="zh-CN" sz="1100" dirty="0">
+                          <a:solidFill>
+                            <a:srgbClr val="FFFF00"/>
+                          </a:solidFill>
+                        </a:rPr>
+                        <a:t>979959397</a:t>
+                      </a:r>
+                    </a:p>
+                    <a:p>
+                      <a:pPr algn="ctr"/>
+                      <a:r>
+                        <a:rPr lang="en-US" altLang="zh-CN" sz="1100" dirty="0">
+                          <a:solidFill>
+                            <a:srgbClr val="FFFF00"/>
+                          </a:solidFill>
+                        </a:rPr>
+                        <a:t>5.00 </a:t>
+                      </a:r>
+                    </a:p>
+                  </a:txBody>
+                  <a:tcPr marL="74483" marR="74483" marT="37241" marB="37241" anchor="ctr"/>
+                </a:tc>
+                <a:extLst>
+                  <a:ext uri="{0D108BD9-81ED-4DB2-BD59-A6C34878D82A}">
+                    <a16:rowId xmlns:a16="http://schemas.microsoft.com/office/drawing/2014/main" val="2672175793"/>
+                  </a:ext>
+                </a:extLst>
+              </a:tr>
+              <a:tr h="1052334">
+                <a:tc>
+                  <a:txBody>
+                    <a:bodyPr/>
+                    <a:lstStyle/>
+                    <a:p>
+                      <a:pPr algn="ctr"/>
+                      <a:r>
+                        <a:rPr lang="en-US" sz="1100" dirty="0"/>
+                        <a:t>Expected </a:t>
+                      </a:r>
+                      <a:r>
+                        <a:rPr lang="en-US" sz="1100" dirty="0" err="1"/>
+                        <a:t>optim</a:t>
+                      </a:r>
+                      <a:endParaRPr lang="en-US" sz="1100" dirty="0"/>
+                    </a:p>
+                  </a:txBody>
+                  <a:tcPr marL="74483" marR="74483" marT="37241" marB="37241" anchor="ctr"/>
+                </a:tc>
+                <a:tc>
+                  <a:txBody>
+                    <a:bodyPr/>
+                    <a:lstStyle/>
+                    <a:p>
+                      <a:pPr algn="ctr"/>
+                      <a:endParaRPr lang="en-US" altLang="zh-CN" sz="1200" dirty="0"/>
+                    </a:p>
+                  </a:txBody>
+                  <a:tcPr marL="74483" marR="74483" marT="37241" marB="37241" anchor="ctr"/>
+                </a:tc>
+                <a:tc>
+                  <a:txBody>
+                    <a:bodyPr/>
+                    <a:lstStyle/>
+                    <a:p>
+                      <a:pPr algn="ctr"/>
+                      <a:r>
+                        <a:rPr lang="en-US" altLang="zh-CN" sz="1200" dirty="0">
+                          <a:solidFill>
+                            <a:schemeClr val="accent4"/>
+                          </a:solidFill>
+                        </a:rPr>
+                        <a:t>Tail Call</a:t>
+                      </a:r>
+                    </a:p>
+                    <a:p>
+                      <a:pPr marL="0" marR="0" lvl="0" indent="0" algn="ctr" defTabSz="457200" rtl="0" eaLnBrk="1" fontAlgn="auto" latinLnBrk="0" hangingPunct="1">
+                        <a:lnSpc>
+                          <a:spcPct val="100000"/>
+                        </a:lnSpc>
+                        <a:spcBef>
+                          <a:spcPts val="0"/>
+                        </a:spcBef>
+                        <a:spcAft>
+                          <a:spcPts val="0"/>
+                        </a:spcAft>
+                        <a:buClrTx/>
+                        <a:buSzTx/>
+                        <a:buFontTx/>
+                        <a:buNone/>
+                        <a:tabLst/>
+                        <a:defRPr/>
+                      </a:pPr>
+                      <a:r>
+                        <a:rPr lang="en-US" altLang="zh-CN" sz="1200" dirty="0"/>
+                        <a:t>Inline</a:t>
+                      </a:r>
+                      <a:r>
+                        <a:rPr lang="en-US" altLang="zh-CN" sz="1200" dirty="0">
+                          <a:solidFill>
+                            <a:srgbClr val="FF0000"/>
+                          </a:solidFill>
+                        </a:rPr>
+                        <a:t>*</a:t>
+                      </a:r>
+                    </a:p>
+                    <a:p>
+                      <a:pPr algn="ctr"/>
+                      <a:r>
+                        <a:rPr lang="en-US" altLang="zh-CN" sz="1200" dirty="0"/>
+                        <a:t>Memory</a:t>
+                      </a:r>
+                    </a:p>
+                    <a:p>
+                      <a:pPr algn="ctr"/>
+                      <a:r>
+                        <a:rPr lang="en-US" altLang="zh-CN" sz="1200" dirty="0"/>
+                        <a:t>CSE</a:t>
+                      </a:r>
+                    </a:p>
+                  </a:txBody>
+                  <a:tcPr marL="74483" marR="74483" marT="37241" marB="37241" anchor="ctr"/>
+                </a:tc>
+                <a:tc>
+                  <a:txBody>
+                    <a:bodyPr/>
+                    <a:lstStyle/>
+                    <a:p>
+                      <a:pPr algn="ctr"/>
+                      <a:r>
+                        <a:rPr lang="en-US" altLang="zh-CN" sz="1200" dirty="0"/>
+                        <a:t>Inline</a:t>
+                      </a:r>
+                    </a:p>
+                    <a:p>
+                      <a:pPr algn="ctr"/>
+                      <a:r>
+                        <a:rPr lang="en-US" altLang="zh-CN" sz="1200" dirty="0"/>
+                        <a:t>Memory</a:t>
+                      </a:r>
+                    </a:p>
+                    <a:p>
+                      <a:pPr algn="ctr"/>
+                      <a:r>
+                        <a:rPr lang="en-US" altLang="zh-CN" sz="1200" dirty="0"/>
+                        <a:t>CSE</a:t>
+                      </a:r>
+                    </a:p>
+                  </a:txBody>
+                  <a:tcPr marL="74483" marR="74483" marT="37241" marB="37241" anchor="ctr"/>
+                </a:tc>
+                <a:tc>
+                  <a:txBody>
+                    <a:bodyPr/>
+                    <a:lstStyle/>
+                    <a:p>
+                      <a:pPr algn="ctr"/>
+                      <a:r>
+                        <a:rPr lang="en-US" altLang="zh-CN" sz="1200" dirty="0">
+                          <a:solidFill>
+                            <a:schemeClr val="accent4"/>
+                          </a:solidFill>
+                        </a:rPr>
+                        <a:t>Memory</a:t>
+                      </a:r>
+                    </a:p>
+                    <a:p>
+                      <a:pPr algn="ctr"/>
+                      <a:r>
+                        <a:rPr lang="en-US" altLang="zh-CN" sz="1000" dirty="0">
+                          <a:solidFill>
+                            <a:schemeClr val="accent4"/>
+                          </a:solidFill>
+                        </a:rPr>
+                        <a:t>(Strong Localize)</a:t>
+                      </a:r>
+                    </a:p>
+                    <a:p>
+                      <a:pPr algn="ctr"/>
+                      <a:r>
+                        <a:rPr lang="en-US" altLang="zh-CN" sz="1000" dirty="0"/>
+                        <a:t>Strength Reduction</a:t>
+                      </a:r>
+                    </a:p>
+                    <a:p>
+                      <a:pPr marL="0" marR="0" lvl="0" indent="0" algn="ctr" defTabSz="457200" rtl="0" eaLnBrk="1" fontAlgn="auto" latinLnBrk="0" hangingPunct="1">
+                        <a:lnSpc>
+                          <a:spcPct val="100000"/>
+                        </a:lnSpc>
+                        <a:spcBef>
+                          <a:spcPts val="0"/>
+                        </a:spcBef>
+                        <a:spcAft>
+                          <a:spcPts val="0"/>
+                        </a:spcAft>
+                        <a:buClrTx/>
+                        <a:buSzTx/>
+                        <a:buFontTx/>
+                        <a:buNone/>
+                        <a:tabLst/>
+                        <a:defRPr/>
+                      </a:pPr>
+                      <a:r>
+                        <a:rPr lang="en-US" altLang="zh-CN" sz="1200" dirty="0"/>
+                        <a:t>CSE</a:t>
+                      </a:r>
+                    </a:p>
+                  </a:txBody>
+                  <a:tcPr marL="74483" marR="74483" marT="37241" marB="37241" anchor="ctr"/>
+                </a:tc>
+                <a:tc>
+                  <a:txBody>
+                    <a:bodyPr/>
+                    <a:lstStyle/>
+                    <a:p>
+                      <a:pPr marL="0" marR="0" lvl="0" indent="0" algn="ctr" defTabSz="457200" rtl="0" eaLnBrk="1" fontAlgn="auto" latinLnBrk="0" hangingPunct="1">
+                        <a:lnSpc>
+                          <a:spcPct val="100000"/>
+                        </a:lnSpc>
+                        <a:spcBef>
+                          <a:spcPts val="0"/>
+                        </a:spcBef>
+                        <a:spcAft>
+                          <a:spcPts val="0"/>
+                        </a:spcAft>
+                        <a:buClrTx/>
+                        <a:buSzTx/>
+                        <a:buFontTx/>
+                        <a:buNone/>
+                        <a:tabLst/>
+                        <a:defRPr/>
+                      </a:pPr>
+                      <a:r>
+                        <a:rPr lang="en-US" altLang="zh-CN" sz="1050" dirty="0"/>
+                        <a:t>Inline</a:t>
+                      </a:r>
+                      <a:r>
+                        <a:rPr lang="en-US" altLang="zh-CN" sz="1050" dirty="0">
+                          <a:solidFill>
+                            <a:srgbClr val="FF0000"/>
+                          </a:solidFill>
+                        </a:rPr>
+                        <a:t>*</a:t>
+                      </a:r>
+                      <a:endParaRPr lang="en-US" altLang="zh-CN" sz="1050" dirty="0">
+                        <a:solidFill>
+                          <a:schemeClr val="accent4"/>
+                        </a:solidFill>
+                      </a:endParaRPr>
+                    </a:p>
+                    <a:p>
+                      <a:pPr algn="ctr"/>
+                      <a:r>
+                        <a:rPr lang="en-US" altLang="zh-CN" sz="1050" dirty="0">
+                          <a:solidFill>
+                            <a:schemeClr val="accent4"/>
+                          </a:solidFill>
+                        </a:rPr>
+                        <a:t>(Counter Bad Inline)</a:t>
+                      </a:r>
+                    </a:p>
+                    <a:p>
+                      <a:pPr algn="ctr"/>
+                      <a:endParaRPr lang="en-US" altLang="zh-CN" sz="1050" dirty="0">
+                        <a:solidFill>
+                          <a:schemeClr val="accent4"/>
+                        </a:solidFill>
+                      </a:endParaRPr>
+                    </a:p>
+                  </a:txBody>
+                  <a:tcPr marL="74483" marR="74483" marT="37241" marB="37241" anchor="ctr"/>
+                </a:tc>
+                <a:tc>
+                  <a:txBody>
+                    <a:bodyPr/>
+                    <a:lstStyle/>
+                    <a:p>
+                      <a:pPr algn="ctr"/>
+                      <a:r>
+                        <a:rPr lang="en-US" altLang="zh-CN" sz="1200" dirty="0"/>
+                        <a:t>Inline</a:t>
+                      </a:r>
+                      <a:br>
+                        <a:rPr lang="en-US" altLang="zh-CN" sz="1200" dirty="0"/>
+                      </a:br>
+                      <a:r>
+                        <a:rPr lang="en-US" altLang="zh-CN" sz="1200" dirty="0"/>
+                        <a:t>Memory</a:t>
+                      </a:r>
+                    </a:p>
+                    <a:p>
+                      <a:pPr algn="ctr"/>
+                      <a:r>
+                        <a:rPr lang="en-US" altLang="zh-CN" sz="1050" dirty="0">
+                          <a:solidFill>
+                            <a:schemeClr val="accent4"/>
+                          </a:solidFill>
+                        </a:rPr>
+                        <a:t>Loop Unroll</a:t>
+                      </a:r>
+                      <a:endParaRPr lang="en-US" altLang="zh-CN" sz="1600" dirty="0">
+                        <a:solidFill>
+                          <a:schemeClr val="accent4"/>
+                        </a:solidFill>
+                      </a:endParaRPr>
+                    </a:p>
+                  </a:txBody>
+                  <a:tcPr marL="74483" marR="74483" marT="37241" marB="37241" anchor="ctr"/>
+                </a:tc>
+                <a:tc>
+                  <a:txBody>
+                    <a:bodyPr/>
+                    <a:lstStyle/>
+                    <a:p>
+                      <a:pPr algn="ctr"/>
+                      <a:r>
+                        <a:rPr lang="en-US" altLang="zh-CN" sz="1200" dirty="0"/>
+                        <a:t>Loop</a:t>
+                      </a:r>
+                    </a:p>
+                    <a:p>
+                      <a:pPr algn="ctr"/>
+                      <a:r>
+                        <a:rPr lang="en-US" altLang="zh-CN" sz="1200" dirty="0"/>
+                        <a:t>Memory</a:t>
+                      </a:r>
+                    </a:p>
+                    <a:p>
+                      <a:pPr algn="ctr"/>
+                      <a:r>
+                        <a:rPr lang="en-US" altLang="zh-CN" sz="1050" dirty="0">
+                          <a:solidFill>
+                            <a:srgbClr val="FF0000"/>
+                          </a:solidFill>
+                        </a:rPr>
+                        <a:t>Loop Unroll</a:t>
+                      </a:r>
+                    </a:p>
+                  </a:txBody>
+                  <a:tcPr marL="74483" marR="74483" marT="37241" marB="37241" anchor="ctr"/>
+                </a:tc>
+                <a:tc>
+                  <a:txBody>
+                    <a:bodyPr/>
+                    <a:lstStyle/>
+                    <a:p>
+                      <a:pPr algn="ctr"/>
+                      <a:r>
+                        <a:rPr lang="en-US" altLang="zh-CN" sz="1100" dirty="0">
+                          <a:solidFill>
+                            <a:srgbClr val="FF0000"/>
+                          </a:solidFill>
+                        </a:rPr>
+                        <a:t>Memory</a:t>
+                      </a:r>
+                    </a:p>
+                    <a:p>
+                      <a:pPr algn="ctr"/>
+                      <a:r>
+                        <a:rPr lang="en-US" altLang="zh-CN" sz="1100" dirty="0">
+                          <a:solidFill>
+                            <a:srgbClr val="FF0000"/>
+                          </a:solidFill>
+                        </a:rPr>
+                        <a:t>(Naïve</a:t>
+                      </a:r>
+                    </a:p>
+                    <a:p>
+                      <a:pPr algn="ctr"/>
+                      <a:r>
+                        <a:rPr lang="en-US" altLang="zh-CN" sz="1100" dirty="0">
+                          <a:solidFill>
+                            <a:srgbClr val="FF0000"/>
+                          </a:solidFill>
+                        </a:rPr>
+                        <a:t>Global</a:t>
+                      </a:r>
+                    </a:p>
+                    <a:p>
+                      <a:pPr algn="ctr"/>
+                      <a:r>
+                        <a:rPr lang="en-US" altLang="zh-CN" sz="1100" dirty="0">
+                          <a:solidFill>
+                            <a:srgbClr val="FF0000"/>
+                          </a:solidFill>
+                        </a:rPr>
+                        <a:t>Localize)</a:t>
+                      </a:r>
+                    </a:p>
+                  </a:txBody>
+                  <a:tcPr marL="74483" marR="74483" marT="37241" marB="37241" anchor="ctr"/>
+                </a:tc>
+                <a:tc>
+                  <a:txBody>
+                    <a:bodyPr/>
+                    <a:lstStyle/>
+                    <a:p>
+                      <a:pPr algn="ctr"/>
+                      <a:r>
+                        <a:rPr lang="en-US" altLang="zh-CN" sz="1200" dirty="0"/>
+                        <a:t>Loop</a:t>
+                      </a:r>
+                    </a:p>
+                  </a:txBody>
+                  <a:tcPr marL="74483" marR="74483" marT="37241" marB="37241" anchor="ctr"/>
+                </a:tc>
+                <a:tc>
+                  <a:txBody>
+                    <a:bodyPr/>
+                    <a:lstStyle/>
+                    <a:p>
+                      <a:pPr algn="ctr"/>
+                      <a:r>
+                        <a:rPr lang="en-US" altLang="zh-CN" sz="1200" dirty="0"/>
+                        <a:t>Inline</a:t>
+                      </a:r>
+                      <a:r>
+                        <a:rPr lang="en-US" altLang="zh-CN" sz="1200" dirty="0">
+                          <a:solidFill>
+                            <a:srgbClr val="FF0000"/>
+                          </a:solidFill>
+                        </a:rPr>
+                        <a:t>*</a:t>
+                      </a:r>
+                      <a:endParaRPr lang="en-US" altLang="zh-CN" sz="1200" dirty="0"/>
+                    </a:p>
+                    <a:p>
+                      <a:pPr algn="ctr"/>
+                      <a:r>
+                        <a:rPr lang="en-US" altLang="zh-CN" sz="1200" dirty="0"/>
+                        <a:t>Memory</a:t>
+                      </a:r>
+                    </a:p>
+                    <a:p>
+                      <a:pPr algn="ctr"/>
+                      <a:r>
+                        <a:rPr lang="en-US" altLang="zh-CN" sz="1200" dirty="0"/>
+                        <a:t>CSE</a:t>
+                      </a:r>
+                    </a:p>
+                    <a:p>
+                      <a:pPr algn="ctr"/>
+                      <a:r>
+                        <a:rPr lang="en-US" altLang="zh-CN" sz="1050" dirty="0">
+                          <a:solidFill>
+                            <a:srgbClr val="FF0000"/>
+                          </a:solidFill>
+                        </a:rPr>
+                        <a:t>Memory Allocate</a:t>
+                      </a:r>
+                    </a:p>
+                  </a:txBody>
+                  <a:tcPr marL="74483" marR="74483" marT="37241" marB="37241" anchor="ctr"/>
+                </a:tc>
+                <a:tc>
+                  <a:txBody>
+                    <a:bodyPr/>
+                    <a:lstStyle/>
+                    <a:p>
+                      <a:pPr marL="0" marR="0" lvl="0" indent="0" algn="ctr" defTabSz="457200" rtl="0" eaLnBrk="1" fontAlgn="auto" latinLnBrk="0" hangingPunct="1">
+                        <a:lnSpc>
+                          <a:spcPct val="100000"/>
+                        </a:lnSpc>
+                        <a:spcBef>
+                          <a:spcPts val="0"/>
+                        </a:spcBef>
+                        <a:spcAft>
+                          <a:spcPts val="0"/>
+                        </a:spcAft>
+                        <a:buClrTx/>
+                        <a:buSzTx/>
+                        <a:buFontTx/>
+                        <a:buNone/>
+                        <a:tabLst/>
+                        <a:defRPr/>
+                      </a:pPr>
+                      <a:r>
+                        <a:rPr lang="en-US" altLang="zh-CN" sz="1200" dirty="0"/>
+                        <a:t>CSE</a:t>
+                      </a:r>
+                    </a:p>
+                    <a:p>
+                      <a:pPr marL="0" marR="0" lvl="0" indent="0" algn="ctr" defTabSz="457200" rtl="0" eaLnBrk="1" fontAlgn="auto" latinLnBrk="0" hangingPunct="1">
+                        <a:lnSpc>
+                          <a:spcPct val="100000"/>
+                        </a:lnSpc>
+                        <a:spcBef>
+                          <a:spcPts val="0"/>
+                        </a:spcBef>
+                        <a:spcAft>
+                          <a:spcPts val="0"/>
+                        </a:spcAft>
+                        <a:buClrTx/>
+                        <a:buSzTx/>
+                        <a:buFontTx/>
+                        <a:buNone/>
+                        <a:tabLst/>
+                        <a:defRPr/>
+                      </a:pPr>
+                      <a:r>
+                        <a:rPr lang="en-US" altLang="zh-CN" sz="1200" dirty="0"/>
+                        <a:t>Loop</a:t>
+                      </a:r>
+                    </a:p>
+                    <a:p>
+                      <a:pPr marL="0" marR="0" lvl="0" indent="0" algn="ctr" defTabSz="457200" rtl="0" eaLnBrk="1" fontAlgn="auto" latinLnBrk="0" hangingPunct="1">
+                        <a:lnSpc>
+                          <a:spcPct val="100000"/>
+                        </a:lnSpc>
+                        <a:spcBef>
+                          <a:spcPts val="0"/>
+                        </a:spcBef>
+                        <a:spcAft>
+                          <a:spcPts val="0"/>
+                        </a:spcAft>
+                        <a:buClrTx/>
+                        <a:buSzTx/>
+                        <a:buFontTx/>
+                        <a:buNone/>
+                        <a:tabLst/>
+                        <a:defRPr/>
+                      </a:pPr>
+                      <a:r>
+                        <a:rPr lang="en-US" altLang="zh-CN" sz="1100" dirty="0">
+                          <a:solidFill>
+                            <a:schemeClr val="accent4"/>
+                          </a:solidFill>
+                        </a:rPr>
+                        <a:t>(Counter Bad Unroll)</a:t>
+                      </a:r>
+                      <a:endParaRPr lang="en-US" altLang="zh-CN" sz="1200" dirty="0">
+                        <a:solidFill>
+                          <a:schemeClr val="accent4"/>
+                        </a:solidFill>
+                      </a:endParaRPr>
+                    </a:p>
+                  </a:txBody>
+                  <a:tcPr marL="74483" marR="74483" marT="37241" marB="37241" anchor="ctr"/>
+                </a:tc>
+                <a:extLst>
+                  <a:ext uri="{0D108BD9-81ED-4DB2-BD59-A6C34878D82A}">
+                    <a16:rowId xmlns:a16="http://schemas.microsoft.com/office/drawing/2014/main" val="3292675688"/>
+                  </a:ext>
+                </a:extLst>
+              </a:tr>
+            </a:tbl>
+          </a:graphicData>
+        </a:graphic>
+      </p:graphicFrame>
+      <p:sp>
+        <p:nvSpPr>
+          <p:cNvPr id="6" name="矩形 5">
+            <a:extLst>
+              <a:ext uri="{FF2B5EF4-FFF2-40B4-BE49-F238E27FC236}">
+                <a16:creationId xmlns:a16="http://schemas.microsoft.com/office/drawing/2014/main" id="{47594DE3-4FB9-4CE7-9730-9628A2281476}"/>
+              </a:ext>
+            </a:extLst>
+          </p:cNvPr>
+          <p:cNvSpPr/>
+          <p:nvPr/>
+        </p:nvSpPr>
+        <p:spPr>
+          <a:xfrm>
+            <a:off x="284986" y="5529976"/>
+            <a:ext cx="7990334" cy="496290"/>
+          </a:xfrm>
+          <a:prstGeom prst="rect">
+            <a:avLst/>
+          </a:prstGeom>
+        </p:spPr>
+        <p:txBody>
+          <a:bodyPr wrap="square">
+            <a:spAutoFit/>
+          </a:bodyPr>
+          <a:lstStyle/>
+          <a:p>
+            <a:pPr>
+              <a:lnSpc>
+                <a:spcPct val="150000"/>
+              </a:lnSpc>
+            </a:pPr>
+            <a:r>
+              <a:rPr lang="en-US" altLang="zh-CN" sz="1050" i="1" dirty="0"/>
+              <a:t>Assume Constant Propagation, CFG Simplification, Dead Code Elimination as trivial optimizations</a:t>
+            </a:r>
+          </a:p>
+          <a:p>
+            <a:r>
+              <a:rPr lang="en-US" altLang="zh-CN" sz="1050" i="1" dirty="0">
+                <a:solidFill>
+                  <a:srgbClr val="FF0000"/>
+                </a:solidFill>
+              </a:rPr>
+              <a:t>*</a:t>
+            </a:r>
+            <a:r>
+              <a:rPr lang="en-US" altLang="zh-CN" sz="1050" i="1" dirty="0"/>
+              <a:t>: Inline parameters matter</a:t>
+            </a:r>
           </a:p>
         </p:txBody>
       </p:sp>
     </p:spTree>
     <p:extLst>
       <p:ext uri="{BB962C8B-B14F-4D97-AF65-F5344CB8AC3E}">
-        <p14:creationId xmlns:p14="http://schemas.microsoft.com/office/powerpoint/2010/main" val="3315618158"/>
+        <p14:creationId xmlns:p14="http://schemas.microsoft.com/office/powerpoint/2010/main" val="2442502364"/>
       </p:ext>
     </p:extLst>
   </p:cSld>
@@ -30018,7 +31994,230 @@
 </p:sld>
 </file>
 
-<file path=ppt/slides/slide34.xml><?xml version="1.0" encoding="utf-8"?>
+<file path=ppt/slides/slide35.xml><?xml version="1.0" encoding="utf-8"?>
+<p:sld xmlns:a="http://schemas.openxmlformats.org/drawingml/2006/main" xmlns:r="http://schemas.openxmlformats.org/officeDocument/2006/relationships" xmlns:p="http://schemas.openxmlformats.org/presentationml/2006/main">
+  <p:cSld>
+    <p:spTree>
+      <p:nvGrpSpPr>
+        <p:cNvPr id="1" name=""/>
+        <p:cNvGrpSpPr/>
+        <p:nvPr/>
+      </p:nvGrpSpPr>
+      <p:grpSpPr>
+        <a:xfrm>
+          <a:off x="0" y="0"/>
+          <a:ext cx="0" cy="0"/>
+          <a:chOff x="0" y="0"/>
+          <a:chExt cx="0" cy="0"/>
+        </a:xfrm>
+      </p:grpSpPr>
+      <p:sp>
+        <p:nvSpPr>
+          <p:cNvPr id="2" name="标题 1">
+            <a:extLst>
+              <a:ext uri="{FF2B5EF4-FFF2-40B4-BE49-F238E27FC236}">
+                <a16:creationId xmlns:a16="http://schemas.microsoft.com/office/drawing/2014/main" id="{264B5347-BAF4-4FCC-ACC8-FACCC4F98840}"/>
+              </a:ext>
+            </a:extLst>
+          </p:cNvPr>
+          <p:cNvSpPr>
+            <a:spLocks noGrp="1"/>
+          </p:cNvSpPr>
+          <p:nvPr>
+            <p:ph type="title"/>
+          </p:nvPr>
+        </p:nvSpPr>
+        <p:spPr>
+          <a:xfrm>
+            <a:off x="685801" y="609600"/>
+            <a:ext cx="10561319" cy="1456267"/>
+          </a:xfrm>
+        </p:spPr>
+        <p:txBody>
+          <a:bodyPr/>
+          <a:lstStyle/>
+          <a:p>
+            <a:r>
+              <a:rPr lang="en-US" altLang="zh-CN" dirty="0"/>
+              <a:t>Some little suggestions</a:t>
+            </a:r>
+            <a:endParaRPr lang="zh-CN" altLang="en-US" dirty="0"/>
+          </a:p>
+        </p:txBody>
+      </p:sp>
+      <p:sp>
+        <p:nvSpPr>
+          <p:cNvPr id="5" name="内容占位符 4">
+            <a:extLst>
+              <a:ext uri="{FF2B5EF4-FFF2-40B4-BE49-F238E27FC236}">
+                <a16:creationId xmlns:a16="http://schemas.microsoft.com/office/drawing/2014/main" id="{002DAB66-DFAD-4D49-B2B0-39BEDE7DD2A4}"/>
+              </a:ext>
+            </a:extLst>
+          </p:cNvPr>
+          <p:cNvSpPr>
+            <a:spLocks noGrp="1"/>
+          </p:cNvSpPr>
+          <p:nvPr>
+            <p:ph idx="1"/>
+          </p:nvPr>
+        </p:nvSpPr>
+        <p:spPr>
+          <a:xfrm>
+            <a:off x="685801" y="2065867"/>
+            <a:ext cx="10241279" cy="4261781"/>
+          </a:xfrm>
+        </p:spPr>
+        <p:txBody>
+          <a:bodyPr>
+            <a:normAutofit/>
+          </a:bodyPr>
+          <a:lstStyle/>
+          <a:p>
+            <a:r>
+              <a:rPr lang="en-US" altLang="zh-CN" dirty="0"/>
+              <a:t>Test data:</a:t>
+            </a:r>
+          </a:p>
+          <a:p>
+            <a:pPr lvl="1"/>
+            <a:r>
+              <a:rPr lang="en-US" altLang="zh-CN" dirty="0"/>
+              <a:t>Floyd-</a:t>
+            </a:r>
+            <a:r>
+              <a:rPr lang="en-US" altLang="zh-CN" dirty="0" err="1"/>
+              <a:t>Warshall</a:t>
+            </a:r>
+            <a:r>
+              <a:rPr lang="en-US" altLang="zh-CN" dirty="0"/>
+              <a:t>: </a:t>
+            </a:r>
+            <a:r>
+              <a:rPr lang="en-US" altLang="zh-CN" dirty="0">
+                <a:latin typeface="Yu Gothic UI" panose="020B0500000000000000" pitchFamily="34" charset="-128"/>
+                <a:ea typeface="Yu Gothic UI" panose="020B0500000000000000" pitchFamily="34" charset="-128"/>
+              </a:rPr>
+              <a:t>Strong Loop Optimization Expected</a:t>
+            </a:r>
+          </a:p>
+          <a:p>
+            <a:pPr lvl="1"/>
+            <a:r>
+              <a:rPr lang="en-US" altLang="zh-CN" dirty="0"/>
+              <a:t>Shallow recursion in small loops: </a:t>
+            </a:r>
+            <a:r>
+              <a:rPr lang="en-US" altLang="zh-CN" dirty="0">
+                <a:latin typeface="Yu Gothic UI" panose="020B0500000000000000" pitchFamily="34" charset="-128"/>
+                <a:ea typeface="Yu Gothic UI" panose="020B0500000000000000" pitchFamily="34" charset="-128"/>
+              </a:rPr>
+              <a:t>Counter size-based inline</a:t>
+            </a:r>
+          </a:p>
+          <a:p>
+            <a:pPr lvl="1"/>
+            <a:r>
+              <a:rPr lang="en-US" altLang="zh-CN" dirty="0"/>
+              <a:t>Segment Tree: </a:t>
+            </a:r>
+            <a:r>
+              <a:rPr lang="en-US" altLang="zh-CN" dirty="0">
+                <a:latin typeface="Yu Gothic UI" panose="020B0500000000000000" pitchFamily="34" charset="-128"/>
+                <a:ea typeface="Yu Gothic UI" panose="020B0500000000000000" pitchFamily="34" charset="-128"/>
+              </a:rPr>
+              <a:t>Use tail call optimizable style return</a:t>
+            </a:r>
+          </a:p>
+          <a:p>
+            <a:pPr lvl="1"/>
+            <a:r>
+              <a:rPr lang="en-US" altLang="zh-CN" dirty="0"/>
+              <a:t>Lunatic: </a:t>
+            </a:r>
+            <a:r>
+              <a:rPr lang="en-US" altLang="zh-CN" dirty="0">
+                <a:latin typeface="Yu Gothic UI" panose="020B0500000000000000" pitchFamily="34" charset="-128"/>
+                <a:ea typeface="Yu Gothic UI" panose="020B0500000000000000" pitchFamily="34" charset="-128"/>
+              </a:rPr>
+              <a:t>Eliminate all literals, let it be a useful loop checker as expected</a:t>
+            </a:r>
+          </a:p>
+          <a:p>
+            <a:r>
+              <a:rPr lang="en-US" altLang="zh-CN" dirty="0"/>
+              <a:t>Grading:</a:t>
+            </a:r>
+          </a:p>
+          <a:p>
+            <a:pPr lvl="1"/>
+            <a:r>
+              <a:rPr lang="en-US" altLang="zh-CN" dirty="0">
+                <a:latin typeface="Yu Gothic UI" panose="020B0500000000000000" pitchFamily="34" charset="-128"/>
+                <a:ea typeface="Yu Gothic UI" panose="020B0500000000000000" pitchFamily="34" charset="-128"/>
+              </a:rPr>
+              <a:t>Unlock upper bound, and weight decreases exponentially as score increases</a:t>
+            </a:r>
+          </a:p>
+          <a:p>
+            <a:pPr lvl="1"/>
+            <a:r>
+              <a:rPr lang="en-US" altLang="zh-CN" dirty="0">
+                <a:latin typeface="Yu Gothic UI" panose="020B0500000000000000" pitchFamily="34" charset="-128"/>
+                <a:ea typeface="Yu Gothic UI" panose="020B0500000000000000" pitchFamily="34" charset="-128"/>
+              </a:rPr>
+              <a:t>Better memory allocation cost calculation</a:t>
+            </a:r>
+          </a:p>
+          <a:p>
+            <a:r>
+              <a:rPr lang="en-US" altLang="zh-CN" dirty="0"/>
+              <a:t>New qualifiers:</a:t>
+            </a:r>
+          </a:p>
+          <a:p>
+            <a:pPr lvl="1"/>
+            <a:r>
+              <a:rPr lang="en-US" altLang="zh-CN" dirty="0"/>
+              <a:t>Const: </a:t>
+            </a:r>
+            <a:r>
+              <a:rPr lang="en-US" altLang="zh-CN" dirty="0">
+                <a:latin typeface="Yu Gothic UI" panose="020B0500000000000000" pitchFamily="34" charset="-128"/>
+                <a:ea typeface="Yu Gothic UI" panose="020B0500000000000000" pitchFamily="34" charset="-128"/>
+              </a:rPr>
+              <a:t>Make global const value propagation more reasonable</a:t>
+            </a:r>
+          </a:p>
+          <a:p>
+            <a:pPr lvl="1"/>
+            <a:r>
+              <a:rPr lang="en-US" altLang="zh-CN" dirty="0"/>
+              <a:t>Static: </a:t>
+            </a:r>
+            <a:r>
+              <a:rPr lang="en-US" altLang="zh-CN" dirty="0">
+                <a:latin typeface="Yu Gothic UI" panose="020B0500000000000000" pitchFamily="34" charset="-128"/>
+                <a:ea typeface="Yu Gothic UI" panose="020B0500000000000000" pitchFamily="34" charset="-128"/>
+              </a:rPr>
+              <a:t>Make global optimizations more reasonable</a:t>
+            </a:r>
+          </a:p>
+        </p:txBody>
+      </p:sp>
+    </p:spTree>
+    <p:extLst>
+      <p:ext uri="{BB962C8B-B14F-4D97-AF65-F5344CB8AC3E}">
+        <p14:creationId xmlns:p14="http://schemas.microsoft.com/office/powerpoint/2010/main" val="3351601418"/>
+      </p:ext>
+    </p:extLst>
+  </p:cSld>
+  <p:clrMapOvr>
+    <a:masterClrMapping/>
+  </p:clrMapOvr>
+</p:sld>
+</file>
+
+<file path=ppt/slides/slide36.xml><?xml version="1.0" encoding="utf-8"?>
 <p:sld xmlns:a="http://schemas.openxmlformats.org/drawingml/2006/main" xmlns:r="http://schemas.openxmlformats.org/officeDocument/2006/relationships" xmlns:p="http://schemas.openxmlformats.org/presentationml/2006/main">
   <p:cSld>
     <p:spTree>
@@ -30129,7 +32328,7 @@
         <p:spPr>
           <a:xfrm>
             <a:off x="685799" y="725937"/>
-            <a:ext cx="5019323" cy="3052887"/>
+            <a:ext cx="5019323" cy="3261534"/>
           </a:xfrm>
           <a:prstGeom prst="rect">
             <a:avLst/>
@@ -30404,6 +32603,18 @@
             <a:r>
               <a:rPr lang="zh-CN" altLang="en-US" sz="1200" dirty="0"/>
               <a:t>行单文件写完编译器</a:t>
+            </a:r>
+            <a:endParaRPr lang="en-US" altLang="zh-CN" sz="1200" dirty="0"/>
+          </a:p>
+          <a:p>
+            <a:pPr>
+              <a:lnSpc>
+                <a:spcPct val="113000"/>
+              </a:lnSpc>
+            </a:pPr>
+            <a:r>
+              <a:rPr lang="zh-CN" altLang="en-US" sz="1200" dirty="0"/>
+              <a:t>感谢司宇老师让我知道并不是我太菜而是编译器真的很难</a:t>
             </a:r>
             <a:endParaRPr lang="en-US" altLang="zh-CN" sz="1200" dirty="0"/>
           </a:p>
@@ -31052,7 +33263,7 @@
         </p:blipFill>
         <p:spPr>
           <a:xfrm>
-            <a:off x="3183666" y="6021122"/>
+            <a:off x="3321682" y="6027248"/>
             <a:ext cx="405878" cy="405878"/>
           </a:xfrm>
           <a:prstGeom prst="rect">
@@ -31074,8 +33285,8 @@
         </p:nvSpPr>
         <p:spPr>
           <a:xfrm>
-            <a:off x="3589544" y="6045461"/>
-            <a:ext cx="5012911" cy="369332"/>
+            <a:off x="3727560" y="6039395"/>
+            <a:ext cx="4047903" cy="369332"/>
           </a:xfrm>
           <a:prstGeom prst="rect">
             <a:avLst/>
@@ -31090,7 +33301,7 @@
           <a:p>
             <a:r>
               <a:rPr lang="en-US" altLang="zh-CN" dirty="0"/>
-              <a:t>R: Call of forge god (a.k.a. </a:t>
+              <a:t>R: Call of forge god (</a:t>
             </a:r>
             <a:r>
               <a:rPr lang="zh-CN" altLang="en-US" dirty="0"/>
